--- a/2019/python/day1-review.pptx
+++ b/2019/python/day1-review.pptx
@@ -5,16 +5,15 @@
     <p:sldMasterId id="2147483648" r:id="rId1"/>
   </p:sldMasterIdLst>
   <p:notesMasterIdLst>
-    <p:notesMasterId r:id="rId9"/>
+    <p:notesMasterId r:id="rId8"/>
   </p:notesMasterIdLst>
   <p:sldIdLst>
     <p:sldId id="257" r:id="rId2"/>
-    <p:sldId id="266" r:id="rId3"/>
-    <p:sldId id="259" r:id="rId4"/>
-    <p:sldId id="260" r:id="rId5"/>
-    <p:sldId id="261" r:id="rId6"/>
-    <p:sldId id="263" r:id="rId7"/>
-    <p:sldId id="265" r:id="rId8"/>
+    <p:sldId id="259" r:id="rId3"/>
+    <p:sldId id="260" r:id="rId4"/>
+    <p:sldId id="261" r:id="rId5"/>
+    <p:sldId id="263" r:id="rId6"/>
+    <p:sldId id="265" r:id="rId7"/>
   </p:sldIdLst>
   <p:sldSz cx="9144000" cy="6858000" type="screen4x3"/>
   <p:notesSz cx="6858000" cy="9144000"/>
@@ -115,7 +114,7 @@
   </p:defaultTextStyle>
   <p:extLst>
     <p:ext uri="{EFAFB233-063F-42B5-8137-9DF3F51BA10A}">
-      <p15:sldGuideLst xmlns:p15="http://schemas.microsoft.com/office/powerpoint/2012/main" xmlns="">
+      <p15:sldGuideLst xmlns="" xmlns:p15="http://schemas.microsoft.com/office/powerpoint/2012/main">
         <p15:guide id="1" orient="horz" pos="2160">
           <p15:clr>
             <a:srgbClr val="A4A3A4"/>
@@ -214,7 +213,7 @@
           <a:p>
             <a:fld id="{91BDCAE1-DC13-3545-841A-A4DBCAED93AF}" type="datetimeFigureOut">
               <a:rPr lang="en-US" smtClean="0"/>
-              <a:t>6/5/18</a:t>
+              <a:t>6/1/19</a:t>
             </a:fld>
             <a:endParaRPr lang="en-US"/>
           </a:p>
@@ -820,7 +819,7 @@
     </p:spTree>
     <p:extLst>
       <p:ext uri="{BB962C8B-B14F-4D97-AF65-F5344CB8AC3E}">
-        <p14:creationId xmlns:p14="http://schemas.microsoft.com/office/powerpoint/2010/main" val="493430940"/>
+        <p14:creationId xmlns:p14="http://schemas.microsoft.com/office/powerpoint/2010/main" val="2163818665"/>
       </p:ext>
     </p:extLst>
   </p:cSld>
@@ -831,6 +830,90 @@
 </file>
 
 <file path=ppt/notesSlides/notesSlide4.xml><?xml version="1.0" encoding="utf-8"?>
+<p:notes xmlns:a="http://schemas.openxmlformats.org/drawingml/2006/main" xmlns:r="http://schemas.openxmlformats.org/officeDocument/2006/relationships" xmlns:p="http://schemas.openxmlformats.org/presentationml/2006/main">
+  <p:cSld>
+    <p:spTree>
+      <p:nvGrpSpPr>
+        <p:cNvPr id="1" name=""/>
+        <p:cNvGrpSpPr/>
+        <p:nvPr/>
+      </p:nvGrpSpPr>
+      <p:grpSpPr>
+        <a:xfrm>
+          <a:off x="0" y="0"/>
+          <a:ext cx="0" cy="0"/>
+          <a:chOff x="0" y="0"/>
+          <a:chExt cx="0" cy="0"/>
+        </a:xfrm>
+      </p:grpSpPr>
+      <p:sp>
+        <p:nvSpPr>
+          <p:cNvPr id="2" name="Slide Image Placeholder 1"/>
+          <p:cNvSpPr>
+            <a:spLocks noGrp="1" noRot="1" noChangeAspect="1"/>
+          </p:cNvSpPr>
+          <p:nvPr>
+            <p:ph type="sldImg"/>
+          </p:nvPr>
+        </p:nvSpPr>
+        <p:spPr/>
+      </p:sp>
+      <p:sp>
+        <p:nvSpPr>
+          <p:cNvPr id="3" name="Notes Placeholder 2"/>
+          <p:cNvSpPr>
+            <a:spLocks noGrp="1"/>
+          </p:cNvSpPr>
+          <p:nvPr>
+            <p:ph type="body" idx="1"/>
+          </p:nvPr>
+        </p:nvSpPr>
+        <p:spPr/>
+        <p:txBody>
+          <a:bodyPr/>
+          <a:lstStyle/>
+          <a:p>
+            <a:endParaRPr lang="en-US" dirty="0"/>
+          </a:p>
+        </p:txBody>
+      </p:sp>
+      <p:sp>
+        <p:nvSpPr>
+          <p:cNvPr id="4" name="Slide Number Placeholder 3"/>
+          <p:cNvSpPr>
+            <a:spLocks noGrp="1"/>
+          </p:cNvSpPr>
+          <p:nvPr>
+            <p:ph type="sldNum" sz="quarter" idx="10"/>
+          </p:nvPr>
+        </p:nvSpPr>
+        <p:spPr/>
+        <p:txBody>
+          <a:bodyPr/>
+          <a:lstStyle/>
+          <a:p>
+            <a:fld id="{A9CC174F-F1AE-864A-B0AB-92F26DAE64FF}" type="slidenum">
+              <a:rPr lang="en-US" smtClean="0"/>
+              <a:t>4</a:t>
+            </a:fld>
+            <a:endParaRPr lang="en-US"/>
+          </a:p>
+        </p:txBody>
+      </p:sp>
+    </p:spTree>
+    <p:extLst>
+      <p:ext uri="{BB962C8B-B14F-4D97-AF65-F5344CB8AC3E}">
+        <p14:creationId xmlns:p14="http://schemas.microsoft.com/office/powerpoint/2010/main" val="324641378"/>
+      </p:ext>
+    </p:extLst>
+  </p:cSld>
+  <p:clrMapOvr>
+    <a:masterClrMapping/>
+  </p:clrMapOvr>
+</p:notes>
+</file>
+
+<file path=ppt/notesSlides/notesSlide5.xml><?xml version="1.0" encoding="utf-8"?>
 <p:notes xmlns:a="http://schemas.openxmlformats.org/drawingml/2006/main" xmlns:r="http://schemas.openxmlformats.org/officeDocument/2006/relationships" xmlns:p="http://schemas.openxmlformats.org/presentationml/2006/main" showMasterSp="0" showMasterPhAnim="0">
   <p:cSld>
     <p:spTree>
@@ -936,91 +1019,7 @@
     </p:spTree>
     <p:extLst>
       <p:ext uri="{BB962C8B-B14F-4D97-AF65-F5344CB8AC3E}">
-        <p14:creationId xmlns:p14="http://schemas.microsoft.com/office/powerpoint/2010/main" val="2163818665"/>
-      </p:ext>
-    </p:extLst>
-  </p:cSld>
-  <p:clrMapOvr>
-    <a:masterClrMapping/>
-  </p:clrMapOvr>
-</p:notes>
-</file>
-
-<file path=ppt/notesSlides/notesSlide5.xml><?xml version="1.0" encoding="utf-8"?>
-<p:notes xmlns:a="http://schemas.openxmlformats.org/drawingml/2006/main" xmlns:r="http://schemas.openxmlformats.org/officeDocument/2006/relationships" xmlns:p="http://schemas.openxmlformats.org/presentationml/2006/main">
-  <p:cSld>
-    <p:spTree>
-      <p:nvGrpSpPr>
-        <p:cNvPr id="1" name=""/>
-        <p:cNvGrpSpPr/>
-        <p:nvPr/>
-      </p:nvGrpSpPr>
-      <p:grpSpPr>
-        <a:xfrm>
-          <a:off x="0" y="0"/>
-          <a:ext cx="0" cy="0"/>
-          <a:chOff x="0" y="0"/>
-          <a:chExt cx="0" cy="0"/>
-        </a:xfrm>
-      </p:grpSpPr>
-      <p:sp>
-        <p:nvSpPr>
-          <p:cNvPr id="2" name="Slide Image Placeholder 1"/>
-          <p:cNvSpPr>
-            <a:spLocks noGrp="1" noRot="1" noChangeAspect="1"/>
-          </p:cNvSpPr>
-          <p:nvPr>
-            <p:ph type="sldImg"/>
-          </p:nvPr>
-        </p:nvSpPr>
-        <p:spPr/>
-      </p:sp>
-      <p:sp>
-        <p:nvSpPr>
-          <p:cNvPr id="3" name="Notes Placeholder 2"/>
-          <p:cNvSpPr>
-            <a:spLocks noGrp="1"/>
-          </p:cNvSpPr>
-          <p:nvPr>
-            <p:ph type="body" idx="1"/>
-          </p:nvPr>
-        </p:nvSpPr>
-        <p:spPr/>
-        <p:txBody>
-          <a:bodyPr/>
-          <a:lstStyle/>
-          <a:p>
-            <a:endParaRPr lang="en-US" dirty="0"/>
-          </a:p>
-        </p:txBody>
-      </p:sp>
-      <p:sp>
-        <p:nvSpPr>
-          <p:cNvPr id="4" name="Slide Number Placeholder 3"/>
-          <p:cNvSpPr>
-            <a:spLocks noGrp="1"/>
-          </p:cNvSpPr>
-          <p:nvPr>
-            <p:ph type="sldNum" sz="quarter" idx="10"/>
-          </p:nvPr>
-        </p:nvSpPr>
-        <p:spPr/>
-        <p:txBody>
-          <a:bodyPr/>
-          <a:lstStyle/>
-          <a:p>
-            <a:fld id="{A9CC174F-F1AE-864A-B0AB-92F26DAE64FF}" type="slidenum">
-              <a:rPr lang="en-US" smtClean="0"/>
-              <a:t>5</a:t>
-            </a:fld>
-            <a:endParaRPr lang="en-US"/>
-          </a:p>
-        </p:txBody>
-      </p:sp>
-    </p:spTree>
-    <p:extLst>
-      <p:ext uri="{BB962C8B-B14F-4D97-AF65-F5344CB8AC3E}">
-        <p14:creationId xmlns:p14="http://schemas.microsoft.com/office/powerpoint/2010/main" val="324641378"/>
+        <p14:creationId xmlns:p14="http://schemas.microsoft.com/office/powerpoint/2010/main" val="573529071"/>
       </p:ext>
     </p:extLst>
   </p:cSld>
@@ -1129,122 +1128,6 @@
               </a:spcBef>
               <a:buNone/>
             </a:pPr>
-            <a:endParaRPr/>
-          </a:p>
-        </p:txBody>
-      </p:sp>
-    </p:spTree>
-    <p:extLst>
-      <p:ext uri="{BB962C8B-B14F-4D97-AF65-F5344CB8AC3E}">
-        <p14:creationId xmlns:p14="http://schemas.microsoft.com/office/powerpoint/2010/main" val="573529071"/>
-      </p:ext>
-    </p:extLst>
-  </p:cSld>
-  <p:clrMapOvr>
-    <a:masterClrMapping/>
-  </p:clrMapOvr>
-</p:notes>
-</file>
-
-<file path=ppt/notesSlides/notesSlide7.xml><?xml version="1.0" encoding="utf-8"?>
-<p:notes xmlns:a="http://schemas.openxmlformats.org/drawingml/2006/main" xmlns:r="http://schemas.openxmlformats.org/officeDocument/2006/relationships" xmlns:p="http://schemas.openxmlformats.org/presentationml/2006/main" showMasterSp="0" showMasterPhAnim="0">
-  <p:cSld>
-    <p:spTree>
-      <p:nvGrpSpPr>
-        <p:cNvPr id="1" name="Shape 31"/>
-        <p:cNvGrpSpPr/>
-        <p:nvPr/>
-      </p:nvGrpSpPr>
-      <p:grpSpPr>
-        <a:xfrm>
-          <a:off x="0" y="0"/>
-          <a:ext cx="0" cy="0"/>
-          <a:chOff x="0" y="0"/>
-          <a:chExt cx="0" cy="0"/>
-        </a:xfrm>
-      </p:grpSpPr>
-      <p:sp>
-        <p:nvSpPr>
-          <p:cNvPr id="32" name="Shape 32"/>
-          <p:cNvSpPr>
-            <a:spLocks noGrp="1" noRot="1" noChangeAspect="1"/>
-          </p:cNvSpPr>
-          <p:nvPr>
-            <p:ph type="sldImg" idx="2"/>
-          </p:nvPr>
-        </p:nvSpPr>
-        <p:spPr>
-          <a:xfrm>
-            <a:off x="1143000" y="685800"/>
-            <a:ext cx="4572000" cy="3429000"/>
-          </a:xfrm>
-          <a:custGeom>
-            <a:avLst/>
-            <a:gdLst/>
-            <a:ahLst/>
-            <a:cxnLst/>
-            <a:rect l="0" t="0" r="0" b="0"/>
-            <a:pathLst>
-              <a:path w="120000" h="120000" extrusionOk="0">
-                <a:moveTo>
-                  <a:pt x="0" y="0"/>
-                </a:moveTo>
-                <a:lnTo>
-                  <a:pt x="120000" y="0"/>
-                </a:lnTo>
-                <a:lnTo>
-                  <a:pt x="120000" y="120000"/>
-                </a:lnTo>
-                <a:lnTo>
-                  <a:pt x="0" y="120000"/>
-                </a:lnTo>
-                <a:close/>
-              </a:path>
-            </a:pathLst>
-          </a:custGeom>
-          <a:noFill/>
-          <a:ln w="9525" cap="flat">
-            <a:solidFill>
-              <a:srgbClr val="000000"/>
-            </a:solidFill>
-            <a:prstDash val="solid"/>
-            <a:round/>
-            <a:headEnd type="none" w="med" len="med"/>
-            <a:tailEnd type="none" w="med" len="med"/>
-          </a:ln>
-        </p:spPr>
-      </p:sp>
-      <p:sp>
-        <p:nvSpPr>
-          <p:cNvPr id="33" name="Shape 33"/>
-          <p:cNvSpPr txBox="1">
-            <a:spLocks noGrp="1"/>
-          </p:cNvSpPr>
-          <p:nvPr>
-            <p:ph type="body" idx="1"/>
-          </p:nvPr>
-        </p:nvSpPr>
-        <p:spPr>
-          <a:xfrm>
-            <a:off x="685800" y="4343400"/>
-            <a:ext cx="5486399" cy="4114800"/>
-          </a:xfrm>
-          <a:prstGeom prst="rect">
-            <a:avLst/>
-          </a:prstGeom>
-        </p:spPr>
-        <p:txBody>
-          <a:bodyPr lIns="91425" tIns="91425" rIns="91425" bIns="91425" anchor="t" anchorCtr="0">
-            <a:noAutofit/>
-          </a:bodyPr>
-          <a:lstStyle/>
-          <a:p>
-            <a:pPr>
-              <a:spcBef>
-                <a:spcPts val="0"/>
-              </a:spcBef>
-              <a:buNone/>
-            </a:pPr>
             <a:endParaRPr dirty="0"/>
           </a:p>
         </p:txBody>
@@ -1443,7 +1326,7 @@
           <a:p>
             <a:fld id="{7C780E36-1438-D74D-8D9C-3089FABA7E39}" type="datetimeFigureOut">
               <a:rPr lang="en-US" smtClean="0"/>
-              <a:t>6/5/18</a:t>
+              <a:t>6/1/19</a:t>
             </a:fld>
             <a:endParaRPr lang="en-US"/>
           </a:p>
@@ -1613,7 +1496,7 @@
           <a:p>
             <a:fld id="{7C780E36-1438-D74D-8D9C-3089FABA7E39}" type="datetimeFigureOut">
               <a:rPr lang="en-US" smtClean="0"/>
-              <a:t>6/5/18</a:t>
+              <a:t>6/1/19</a:t>
             </a:fld>
             <a:endParaRPr lang="en-US"/>
           </a:p>
@@ -1793,7 +1676,7 @@
           <a:p>
             <a:fld id="{7C780E36-1438-D74D-8D9C-3089FABA7E39}" type="datetimeFigureOut">
               <a:rPr lang="en-US" smtClean="0"/>
-              <a:t>6/5/18</a:t>
+              <a:t>6/1/19</a:t>
             </a:fld>
             <a:endParaRPr lang="en-US"/>
           </a:p>
@@ -2268,7 +2151,7 @@
           <a:p>
             <a:fld id="{7C780E36-1438-D74D-8D9C-3089FABA7E39}" type="datetimeFigureOut">
               <a:rPr lang="en-US" smtClean="0"/>
-              <a:t>6/5/18</a:t>
+              <a:t>6/1/19</a:t>
             </a:fld>
             <a:endParaRPr lang="en-US"/>
           </a:p>
@@ -2514,7 +2397,7 @@
           <a:p>
             <a:fld id="{7C780E36-1438-D74D-8D9C-3089FABA7E39}" type="datetimeFigureOut">
               <a:rPr lang="en-US" smtClean="0"/>
-              <a:t>6/5/18</a:t>
+              <a:t>6/1/19</a:t>
             </a:fld>
             <a:endParaRPr lang="en-US"/>
           </a:p>
@@ -2802,7 +2685,7 @@
           <a:p>
             <a:fld id="{7C780E36-1438-D74D-8D9C-3089FABA7E39}" type="datetimeFigureOut">
               <a:rPr lang="en-US" smtClean="0"/>
-              <a:t>6/5/18</a:t>
+              <a:t>6/1/19</a:t>
             </a:fld>
             <a:endParaRPr lang="en-US"/>
           </a:p>
@@ -3224,7 +3107,7 @@
           <a:p>
             <a:fld id="{7C780E36-1438-D74D-8D9C-3089FABA7E39}" type="datetimeFigureOut">
               <a:rPr lang="en-US" smtClean="0"/>
-              <a:t>6/5/18</a:t>
+              <a:t>6/1/19</a:t>
             </a:fld>
             <a:endParaRPr lang="en-US"/>
           </a:p>
@@ -3342,7 +3225,7 @@
           <a:p>
             <a:fld id="{7C780E36-1438-D74D-8D9C-3089FABA7E39}" type="datetimeFigureOut">
               <a:rPr lang="en-US" smtClean="0"/>
-              <a:t>6/5/18</a:t>
+              <a:t>6/1/19</a:t>
             </a:fld>
             <a:endParaRPr lang="en-US"/>
           </a:p>
@@ -3437,7 +3320,7 @@
           <a:p>
             <a:fld id="{7C780E36-1438-D74D-8D9C-3089FABA7E39}" type="datetimeFigureOut">
               <a:rPr lang="en-US" smtClean="0"/>
-              <a:t>6/5/18</a:t>
+              <a:t>6/1/19</a:t>
             </a:fld>
             <a:endParaRPr lang="en-US"/>
           </a:p>
@@ -3714,7 +3597,7 @@
           <a:p>
             <a:fld id="{7C780E36-1438-D74D-8D9C-3089FABA7E39}" type="datetimeFigureOut">
               <a:rPr lang="en-US" smtClean="0"/>
-              <a:t>6/5/18</a:t>
+              <a:t>6/1/19</a:t>
             </a:fld>
             <a:endParaRPr lang="en-US"/>
           </a:p>
@@ -3967,7 +3850,7 @@
           <a:p>
             <a:fld id="{7C780E36-1438-D74D-8D9C-3089FABA7E39}" type="datetimeFigureOut">
               <a:rPr lang="en-US" smtClean="0"/>
-              <a:t>6/5/18</a:t>
+              <a:t>6/1/19</a:t>
             </a:fld>
             <a:endParaRPr lang="en-US"/>
           </a:p>
@@ -4180,7 +4063,7 @@
           <a:p>
             <a:fld id="{7C780E36-1438-D74D-8D9C-3089FABA7E39}" type="datetimeFigureOut">
               <a:rPr lang="en-US" smtClean="0"/>
-              <a:t>6/5/18</a:t>
+              <a:t>6/1/19</a:t>
             </a:fld>
             <a:endParaRPr lang="en-US"/>
           </a:p>
@@ -4639,8 +4522,12 @@
               <a:buNone/>
             </a:pPr>
             <a:r>
-              <a:rPr lang="en-US" smtClean="0"/>
-              <a:t>HILT 2018</a:t>
+              <a:rPr lang="en-US" dirty="0" smtClean="0"/>
+              <a:t>HILT </a:t>
+            </a:r>
+            <a:r>
+              <a:rPr lang="en-US" dirty="0" smtClean="0"/>
+              <a:t>2019</a:t>
             </a:r>
             <a:endParaRPr lang="en" dirty="0"/>
           </a:p>
@@ -4725,7 +4612,7 @@
                 <a:latin typeface="Yanone Kaffeesatz Bold"/>
                 <a:cs typeface="Yanone Kaffeesatz Bold"/>
               </a:rPr>
-              <a:t>We Take Requests</a:t>
+              <a:t>Command Line</a:t>
             </a:r>
             <a:endParaRPr lang="en" sz="7200" dirty="0">
               <a:solidFill>
@@ -4777,14 +4664,13 @@
               <a:buChar char="●"/>
             </a:pPr>
             <a:r>
-              <a:rPr lang="en-US" dirty="0" err="1" smtClean="0">
+              <a:rPr lang="en-US" dirty="0" smtClean="0">
                 <a:latin typeface="Open Sans"/>
                 <a:ea typeface="Open Sans"/>
                 <a:cs typeface="Open Sans"/>
               </a:rPr>
-              <a:t>sli.do</a:t>
-            </a:r>
-            <a:endParaRPr lang="en-US" dirty="0" smtClean="0"/>
+              <a:t>How do you know where you are?</a:t>
+            </a:r>
           </a:p>
           <a:p>
             <a:pPr marL="457200" lvl="0" indent="-419100" rtl="0">
@@ -4803,7 +4689,28 @@
             </a:pPr>
             <a:r>
               <a:rPr lang="en-US" dirty="0" smtClean="0"/>
-              <a:t>code is TONY</a:t>
+              <a:t>How do you make a new folder?</a:t>
+            </a:r>
+          </a:p>
+          <a:p>
+            <a:pPr marL="457200" indent="-419100">
+              <a:lnSpc>
+                <a:spcPct val="130000"/>
+              </a:lnSpc>
+              <a:buClr>
+                <a:schemeClr val="dk1"/>
+              </a:buClr>
+              <a:buSzPct val="100000"/>
+              <a:buFont typeface="Arial"/>
+              <a:buChar char="●"/>
+            </a:pPr>
+            <a:r>
+              <a:rPr lang="en-US" dirty="0"/>
+              <a:t>How do you move in to a directory</a:t>
+            </a:r>
+            <a:r>
+              <a:rPr lang="en-US" dirty="0" smtClean="0"/>
+              <a:t>?</a:t>
             </a:r>
           </a:p>
           <a:p>
@@ -4822,12 +4729,8 @@
               <a:buChar char="●"/>
             </a:pPr>
             <a:r>
-              <a:rPr lang="en-US" dirty="0" smtClean="0">
-                <a:latin typeface="Open Sans"/>
-                <a:ea typeface="Open Sans"/>
-                <a:cs typeface="Open Sans"/>
-              </a:rPr>
-              <a:t>What are some things you want us to talk about a bit during the week?</a:t>
+              <a:rPr lang="en-US" dirty="0" smtClean="0"/>
+              <a:t>How do you see all the files in a directory?</a:t>
             </a:r>
           </a:p>
           <a:p>
@@ -4847,60 +4750,15 @@
             </a:pPr>
             <a:r>
               <a:rPr lang="en-US" dirty="0" smtClean="0"/>
-              <a:t>First half of the class enters some ideas.</a:t>
-            </a:r>
-          </a:p>
-          <a:p>
-            <a:pPr marL="457200" lvl="0" indent="-419100" rtl="0">
-              <a:lnSpc>
-                <a:spcPct val="130000"/>
-              </a:lnSpc>
-              <a:spcBef>
-                <a:spcPts val="0"/>
-              </a:spcBef>
-              <a:buClr>
-                <a:schemeClr val="dk1"/>
-              </a:buClr>
-              <a:buSzPct val="100000"/>
-              <a:buFont typeface="Arial"/>
-              <a:buChar char="●"/>
-            </a:pPr>
-            <a:r>
-              <a:rPr lang="en-US" dirty="0" smtClean="0">
-                <a:latin typeface="Open Sans"/>
-                <a:ea typeface="Open Sans"/>
-                <a:cs typeface="Open Sans"/>
-              </a:rPr>
-              <a:t>Second half </a:t>
-            </a:r>
-            <a:r>
-              <a:rPr lang="en-US" dirty="0" err="1" smtClean="0">
-                <a:latin typeface="Open Sans"/>
-                <a:ea typeface="Open Sans"/>
-                <a:cs typeface="Open Sans"/>
-              </a:rPr>
-              <a:t>upvotes</a:t>
-            </a:r>
-            <a:r>
-              <a:rPr lang="en-US" smtClean="0">
-                <a:latin typeface="Open Sans"/>
-                <a:ea typeface="Open Sans"/>
-                <a:cs typeface="Open Sans"/>
-              </a:rPr>
-              <a:t>.</a:t>
-            </a:r>
-            <a:endParaRPr lang="en-US" dirty="0" smtClean="0">
-              <a:latin typeface="Open Sans"/>
-              <a:ea typeface="Open Sans"/>
-              <a:cs typeface="Open Sans"/>
-            </a:endParaRPr>
+              <a:t>How do you look up what a command does?</a:t>
+            </a:r>
           </a:p>
         </p:txBody>
       </p:sp>
     </p:spTree>
     <p:extLst>
       <p:ext uri="{BB962C8B-B14F-4D97-AF65-F5344CB8AC3E}">
-        <p14:creationId xmlns:p14="http://schemas.microsoft.com/office/powerpoint/2010/main" val="3689230896"/>
+        <p14:creationId xmlns:p14="http://schemas.microsoft.com/office/powerpoint/2010/main" val="3027272719"/>
       </p:ext>
     </p:extLst>
   </p:cSld>
@@ -4969,228 +4827,6 @@
               <a:buNone/>
             </a:pPr>
             <a:r>
-              <a:rPr lang="en-US" sz="7200" dirty="0" smtClean="0">
-                <a:solidFill>
-                  <a:srgbClr val="FF0000"/>
-                </a:solidFill>
-                <a:latin typeface="Yanone Kaffeesatz Bold"/>
-                <a:cs typeface="Yanone Kaffeesatz Bold"/>
-              </a:rPr>
-              <a:t>Command Line</a:t>
-            </a:r>
-            <a:endParaRPr lang="en" sz="7200" dirty="0">
-              <a:solidFill>
-                <a:srgbClr val="FF0000"/>
-              </a:solidFill>
-              <a:latin typeface="Yanone Kaffeesatz Bold"/>
-              <a:cs typeface="Yanone Kaffeesatz Bold"/>
-            </a:endParaRPr>
-          </a:p>
-        </p:txBody>
-      </p:sp>
-      <p:sp>
-        <p:nvSpPr>
-          <p:cNvPr id="30" name="Shape 30"/>
-          <p:cNvSpPr txBox="1">
-            <a:spLocks noGrp="1"/>
-          </p:cNvSpPr>
-          <p:nvPr>
-            <p:ph type="body" idx="1"/>
-          </p:nvPr>
-        </p:nvSpPr>
-        <p:spPr>
-          <a:xfrm>
-            <a:off x="457200" y="1600200"/>
-            <a:ext cx="8229600" cy="4967700"/>
-          </a:xfrm>
-          <a:prstGeom prst="rect">
-            <a:avLst/>
-          </a:prstGeom>
-        </p:spPr>
-        <p:txBody>
-          <a:bodyPr lIns="91425" tIns="91425" rIns="91425" bIns="91425" anchor="t" anchorCtr="0">
-            <a:noAutofit/>
-          </a:bodyPr>
-          <a:lstStyle/>
-          <a:p>
-            <a:pPr marL="457200" lvl="0" indent="-419100" rtl="0">
-              <a:lnSpc>
-                <a:spcPct val="130000"/>
-              </a:lnSpc>
-              <a:spcBef>
-                <a:spcPts val="0"/>
-              </a:spcBef>
-              <a:buClr>
-                <a:schemeClr val="dk1"/>
-              </a:buClr>
-              <a:buSzPct val="100000"/>
-              <a:buFont typeface="Arial"/>
-              <a:buChar char="●"/>
-            </a:pPr>
-            <a:r>
-              <a:rPr lang="en-US" dirty="0" smtClean="0">
-                <a:latin typeface="Open Sans"/>
-                <a:ea typeface="Open Sans"/>
-                <a:cs typeface="Open Sans"/>
-              </a:rPr>
-              <a:t>How do you know where you are?</a:t>
-            </a:r>
-          </a:p>
-          <a:p>
-            <a:pPr marL="457200" lvl="0" indent="-419100" rtl="0">
-              <a:lnSpc>
-                <a:spcPct val="130000"/>
-              </a:lnSpc>
-              <a:spcBef>
-                <a:spcPts val="0"/>
-              </a:spcBef>
-              <a:buClr>
-                <a:schemeClr val="dk1"/>
-              </a:buClr>
-              <a:buSzPct val="100000"/>
-              <a:buFont typeface="Arial"/>
-              <a:buChar char="●"/>
-            </a:pPr>
-            <a:r>
-              <a:rPr lang="en-US" dirty="0" smtClean="0"/>
-              <a:t>How do you make a new folder?</a:t>
-            </a:r>
-          </a:p>
-          <a:p>
-            <a:pPr marL="457200" indent="-419100">
-              <a:lnSpc>
-                <a:spcPct val="130000"/>
-              </a:lnSpc>
-              <a:buClr>
-                <a:schemeClr val="dk1"/>
-              </a:buClr>
-              <a:buSzPct val="100000"/>
-              <a:buFont typeface="Arial"/>
-              <a:buChar char="●"/>
-            </a:pPr>
-            <a:r>
-              <a:rPr lang="en-US" dirty="0"/>
-              <a:t>How do you move in to a directory</a:t>
-            </a:r>
-            <a:r>
-              <a:rPr lang="en-US" dirty="0" smtClean="0"/>
-              <a:t>?</a:t>
-            </a:r>
-          </a:p>
-          <a:p>
-            <a:pPr marL="457200" lvl="0" indent="-419100" rtl="0">
-              <a:lnSpc>
-                <a:spcPct val="130000"/>
-              </a:lnSpc>
-              <a:spcBef>
-                <a:spcPts val="0"/>
-              </a:spcBef>
-              <a:buClr>
-                <a:schemeClr val="dk1"/>
-              </a:buClr>
-              <a:buSzPct val="100000"/>
-              <a:buFont typeface="Arial"/>
-              <a:buChar char="●"/>
-            </a:pPr>
-            <a:r>
-              <a:rPr lang="en-US" dirty="0" smtClean="0"/>
-              <a:t>How do you see all the files in a directory?</a:t>
-            </a:r>
-          </a:p>
-          <a:p>
-            <a:pPr marL="457200" lvl="0" indent="-419100" rtl="0">
-              <a:lnSpc>
-                <a:spcPct val="130000"/>
-              </a:lnSpc>
-              <a:spcBef>
-                <a:spcPts val="0"/>
-              </a:spcBef>
-              <a:buClr>
-                <a:schemeClr val="dk1"/>
-              </a:buClr>
-              <a:buSzPct val="100000"/>
-              <a:buFont typeface="Arial"/>
-              <a:buChar char="●"/>
-            </a:pPr>
-            <a:r>
-              <a:rPr lang="en-US" dirty="0" smtClean="0"/>
-              <a:t>How do you look up what a command does?</a:t>
-            </a:r>
-          </a:p>
-        </p:txBody>
-      </p:sp>
-    </p:spTree>
-    <p:extLst>
-      <p:ext uri="{BB962C8B-B14F-4D97-AF65-F5344CB8AC3E}">
-        <p14:creationId xmlns:p14="http://schemas.microsoft.com/office/powerpoint/2010/main" val="3027272719"/>
-      </p:ext>
-    </p:extLst>
-  </p:cSld>
-  <p:clrMapOvr>
-    <a:masterClrMapping/>
-  </p:clrMapOvr>
-  <p:transition xmlns:p14="http://schemas.microsoft.com/office/powerpoint/2010/main" spd="slow">
-    <p:cut/>
-  </p:transition>
-  <p:timing>
-    <p:tnLst>
-      <p:par>
-        <p:cTn xmlns:p14="http://schemas.microsoft.com/office/powerpoint/2010/main" id="1" dur="indefinite" restart="never" nodeType="tmRoot"/>
-      </p:par>
-    </p:tnLst>
-  </p:timing>
-</p:sld>
-</file>
-
-<file path=ppt/slides/slide4.xml><?xml version="1.0" encoding="utf-8"?>
-<p:sld xmlns:a="http://schemas.openxmlformats.org/drawingml/2006/main" xmlns:r="http://schemas.openxmlformats.org/officeDocument/2006/relationships" xmlns:p="http://schemas.openxmlformats.org/presentationml/2006/main">
-  <p:cSld>
-    <p:spTree>
-      <p:nvGrpSpPr>
-        <p:cNvPr id="1" name="Shape 28"/>
-        <p:cNvGrpSpPr/>
-        <p:nvPr/>
-      </p:nvGrpSpPr>
-      <p:grpSpPr>
-        <a:xfrm>
-          <a:off x="0" y="0"/>
-          <a:ext cx="0" cy="0"/>
-          <a:chOff x="0" y="0"/>
-          <a:chExt cx="0" cy="0"/>
-        </a:xfrm>
-      </p:grpSpPr>
-      <p:sp>
-        <p:nvSpPr>
-          <p:cNvPr id="29" name="Shape 29"/>
-          <p:cNvSpPr txBox="1">
-            <a:spLocks noGrp="1"/>
-          </p:cNvSpPr>
-          <p:nvPr>
-            <p:ph type="title"/>
-          </p:nvPr>
-        </p:nvSpPr>
-        <p:spPr>
-          <a:xfrm>
-            <a:off x="457200" y="274637"/>
-            <a:ext cx="8229600" cy="1143000"/>
-          </a:xfrm>
-          <a:prstGeom prst="rect">
-            <a:avLst/>
-          </a:prstGeom>
-        </p:spPr>
-        <p:txBody>
-          <a:bodyPr lIns="91425" tIns="91425" rIns="91425" bIns="91425" anchor="b" anchorCtr="0">
-            <a:noAutofit/>
-          </a:bodyPr>
-          <a:lstStyle/>
-          <a:p>
-            <a:pPr>
-              <a:spcBef>
-                <a:spcPts val="0"/>
-              </a:spcBef>
-              <a:buNone/>
-            </a:pPr>
-            <a:r>
               <a:rPr lang="en-US" sz="7200" dirty="0" err="1" smtClean="0">
                 <a:solidFill>
                   <a:srgbClr val="FF0000"/>
@@ -5427,7 +5063,7 @@
 </p:sld>
 </file>
 
-<file path=ppt/slides/slide5.xml><?xml version="1.0" encoding="utf-8"?>
+<file path=ppt/slides/slide4.xml><?xml version="1.0" encoding="utf-8"?>
 <p:sld xmlns:a="http://schemas.openxmlformats.org/drawingml/2006/main" xmlns:r="http://schemas.openxmlformats.org/officeDocument/2006/relationships" xmlns:p="http://schemas.openxmlformats.org/presentationml/2006/main">
   <p:cSld>
     <p:spTree>
@@ -5532,7 +5168,7 @@
 </p:sld>
 </file>
 
-<file path=ppt/slides/slide6.xml><?xml version="1.0" encoding="utf-8"?>
+<file path=ppt/slides/slide5.xml><?xml version="1.0" encoding="utf-8"?>
 <p:sld xmlns:a="http://schemas.openxmlformats.org/drawingml/2006/main" xmlns:r="http://schemas.openxmlformats.org/officeDocument/2006/relationships" xmlns:p="http://schemas.openxmlformats.org/presentationml/2006/main">
   <p:cSld>
     <p:spTree>
@@ -5706,7 +5342,7 @@
 </p:sld>
 </file>
 
-<file path=ppt/slides/slide7.xml><?xml version="1.0" encoding="utf-8"?>
+<file path=ppt/slides/slide6.xml><?xml version="1.0" encoding="utf-8"?>
 <p:sld xmlns:a="http://schemas.openxmlformats.org/drawingml/2006/main" xmlns:r="http://schemas.openxmlformats.org/officeDocument/2006/relationships" xmlns:p="http://schemas.openxmlformats.org/presentationml/2006/main">
   <p:cSld>
     <p:spTree>

--- a/2019/python/day1-review.pptx
+++ b/2019/python/day1-review.pptx
@@ -5,15 +5,16 @@
     <p:sldMasterId id="2147483648" r:id="rId1"/>
   </p:sldMasterIdLst>
   <p:notesMasterIdLst>
-    <p:notesMasterId r:id="rId8"/>
+    <p:notesMasterId r:id="rId9"/>
   </p:notesMasterIdLst>
   <p:sldIdLst>
     <p:sldId id="257" r:id="rId2"/>
     <p:sldId id="259" r:id="rId3"/>
     <p:sldId id="260" r:id="rId4"/>
     <p:sldId id="261" r:id="rId5"/>
-    <p:sldId id="263" r:id="rId6"/>
-    <p:sldId id="265" r:id="rId7"/>
+    <p:sldId id="262" r:id="rId6"/>
+    <p:sldId id="264" r:id="rId7"/>
+    <p:sldId id="263" r:id="rId8"/>
   </p:sldIdLst>
   <p:sldSz cx="9144000" cy="6858000" type="screen4x3"/>
   <p:notesSz cx="6858000" cy="9144000"/>
@@ -114,7 +115,7 @@
   </p:defaultTextStyle>
   <p:extLst>
     <p:ext uri="{EFAFB233-063F-42B5-8137-9DF3F51BA10A}">
-      <p15:sldGuideLst xmlns="" xmlns:p15="http://schemas.microsoft.com/office/powerpoint/2012/main">
+      <p15:sldGuideLst xmlns:p15="http://schemas.microsoft.com/office/powerpoint/2012/main" xmlns="">
         <p15:guide id="1" orient="horz" pos="2160">
           <p15:clr>
             <a:srgbClr val="A4A3A4"/>
@@ -213,7 +214,7 @@
           <a:p>
             <a:fld id="{91BDCAE1-DC13-3545-841A-A4DBCAED93AF}" type="datetimeFigureOut">
               <a:rPr lang="en-US" smtClean="0"/>
-              <a:t>6/1/19</a:t>
+              <a:t>6/3/19</a:t>
             </a:fld>
             <a:endParaRPr lang="en-US"/>
           </a:p>
@@ -830,90 +831,6 @@
 </file>
 
 <file path=ppt/notesSlides/notesSlide4.xml><?xml version="1.0" encoding="utf-8"?>
-<p:notes xmlns:a="http://schemas.openxmlformats.org/drawingml/2006/main" xmlns:r="http://schemas.openxmlformats.org/officeDocument/2006/relationships" xmlns:p="http://schemas.openxmlformats.org/presentationml/2006/main">
-  <p:cSld>
-    <p:spTree>
-      <p:nvGrpSpPr>
-        <p:cNvPr id="1" name=""/>
-        <p:cNvGrpSpPr/>
-        <p:nvPr/>
-      </p:nvGrpSpPr>
-      <p:grpSpPr>
-        <a:xfrm>
-          <a:off x="0" y="0"/>
-          <a:ext cx="0" cy="0"/>
-          <a:chOff x="0" y="0"/>
-          <a:chExt cx="0" cy="0"/>
-        </a:xfrm>
-      </p:grpSpPr>
-      <p:sp>
-        <p:nvSpPr>
-          <p:cNvPr id="2" name="Slide Image Placeholder 1"/>
-          <p:cNvSpPr>
-            <a:spLocks noGrp="1" noRot="1" noChangeAspect="1"/>
-          </p:cNvSpPr>
-          <p:nvPr>
-            <p:ph type="sldImg"/>
-          </p:nvPr>
-        </p:nvSpPr>
-        <p:spPr/>
-      </p:sp>
-      <p:sp>
-        <p:nvSpPr>
-          <p:cNvPr id="3" name="Notes Placeholder 2"/>
-          <p:cNvSpPr>
-            <a:spLocks noGrp="1"/>
-          </p:cNvSpPr>
-          <p:nvPr>
-            <p:ph type="body" idx="1"/>
-          </p:nvPr>
-        </p:nvSpPr>
-        <p:spPr/>
-        <p:txBody>
-          <a:bodyPr/>
-          <a:lstStyle/>
-          <a:p>
-            <a:endParaRPr lang="en-US" dirty="0"/>
-          </a:p>
-        </p:txBody>
-      </p:sp>
-      <p:sp>
-        <p:nvSpPr>
-          <p:cNvPr id="4" name="Slide Number Placeholder 3"/>
-          <p:cNvSpPr>
-            <a:spLocks noGrp="1"/>
-          </p:cNvSpPr>
-          <p:nvPr>
-            <p:ph type="sldNum" sz="quarter" idx="10"/>
-          </p:nvPr>
-        </p:nvSpPr>
-        <p:spPr/>
-        <p:txBody>
-          <a:bodyPr/>
-          <a:lstStyle/>
-          <a:p>
-            <a:fld id="{A9CC174F-F1AE-864A-B0AB-92F26DAE64FF}" type="slidenum">
-              <a:rPr lang="en-US" smtClean="0"/>
-              <a:t>4</a:t>
-            </a:fld>
-            <a:endParaRPr lang="en-US"/>
-          </a:p>
-        </p:txBody>
-      </p:sp>
-    </p:spTree>
-    <p:extLst>
-      <p:ext uri="{BB962C8B-B14F-4D97-AF65-F5344CB8AC3E}">
-        <p14:creationId xmlns:p14="http://schemas.microsoft.com/office/powerpoint/2010/main" val="324641378"/>
-      </p:ext>
-    </p:extLst>
-  </p:cSld>
-  <p:clrMapOvr>
-    <a:masterClrMapping/>
-  </p:clrMapOvr>
-</p:notes>
-</file>
-
-<file path=ppt/notesSlides/notesSlide5.xml><?xml version="1.0" encoding="utf-8"?>
 <p:notes xmlns:a="http://schemas.openxmlformats.org/drawingml/2006/main" xmlns:r="http://schemas.openxmlformats.org/officeDocument/2006/relationships" xmlns:p="http://schemas.openxmlformats.org/presentationml/2006/main" showMasterSp="0" showMasterPhAnim="0">
   <p:cSld>
     <p:spTree>
@@ -1019,7 +936,7 @@
     </p:spTree>
     <p:extLst>
       <p:ext uri="{BB962C8B-B14F-4D97-AF65-F5344CB8AC3E}">
-        <p14:creationId xmlns:p14="http://schemas.microsoft.com/office/powerpoint/2010/main" val="573529071"/>
+        <p14:creationId xmlns:p14="http://schemas.microsoft.com/office/powerpoint/2010/main" val="1753150728"/>
       </p:ext>
     </p:extLst>
   </p:cSld>
@@ -1029,7 +946,7 @@
 </p:notes>
 </file>
 
-<file path=ppt/notesSlides/notesSlide6.xml><?xml version="1.0" encoding="utf-8"?>
+<file path=ppt/notesSlides/notesSlide5.xml><?xml version="1.0" encoding="utf-8"?>
 <p:notes xmlns:a="http://schemas.openxmlformats.org/drawingml/2006/main" xmlns:r="http://schemas.openxmlformats.org/officeDocument/2006/relationships" xmlns:p="http://schemas.openxmlformats.org/presentationml/2006/main" showMasterSp="0" showMasterPhAnim="0">
   <p:cSld>
     <p:spTree>
@@ -1128,14 +1045,246 @@
               </a:spcBef>
               <a:buNone/>
             </a:pPr>
-            <a:endParaRPr dirty="0"/>
+            <a:endParaRPr/>
           </a:p>
         </p:txBody>
       </p:sp>
     </p:spTree>
     <p:extLst>
       <p:ext uri="{BB962C8B-B14F-4D97-AF65-F5344CB8AC3E}">
-        <p14:creationId xmlns:p14="http://schemas.microsoft.com/office/powerpoint/2010/main" val="2705572310"/>
+        <p14:creationId xmlns:p14="http://schemas.microsoft.com/office/powerpoint/2010/main" val="447221675"/>
+      </p:ext>
+    </p:extLst>
+  </p:cSld>
+  <p:clrMapOvr>
+    <a:masterClrMapping/>
+  </p:clrMapOvr>
+</p:notes>
+</file>
+
+<file path=ppt/notesSlides/notesSlide6.xml><?xml version="1.0" encoding="utf-8"?>
+<p:notes xmlns:a="http://schemas.openxmlformats.org/drawingml/2006/main" xmlns:r="http://schemas.openxmlformats.org/officeDocument/2006/relationships" xmlns:p="http://schemas.openxmlformats.org/presentationml/2006/main" showMasterSp="0" showMasterPhAnim="0">
+  <p:cSld>
+    <p:spTree>
+      <p:nvGrpSpPr>
+        <p:cNvPr id="1" name="Shape 31"/>
+        <p:cNvGrpSpPr/>
+        <p:nvPr/>
+      </p:nvGrpSpPr>
+      <p:grpSpPr>
+        <a:xfrm>
+          <a:off x="0" y="0"/>
+          <a:ext cx="0" cy="0"/>
+          <a:chOff x="0" y="0"/>
+          <a:chExt cx="0" cy="0"/>
+        </a:xfrm>
+      </p:grpSpPr>
+      <p:sp>
+        <p:nvSpPr>
+          <p:cNvPr id="32" name="Shape 32"/>
+          <p:cNvSpPr>
+            <a:spLocks noGrp="1" noRot="1" noChangeAspect="1"/>
+          </p:cNvSpPr>
+          <p:nvPr>
+            <p:ph type="sldImg" idx="2"/>
+          </p:nvPr>
+        </p:nvSpPr>
+        <p:spPr>
+          <a:xfrm>
+            <a:off x="1143000" y="685800"/>
+            <a:ext cx="4572000" cy="3429000"/>
+          </a:xfrm>
+          <a:custGeom>
+            <a:avLst/>
+            <a:gdLst/>
+            <a:ahLst/>
+            <a:cxnLst/>
+            <a:rect l="0" t="0" r="0" b="0"/>
+            <a:pathLst>
+              <a:path w="120000" h="120000" extrusionOk="0">
+                <a:moveTo>
+                  <a:pt x="0" y="0"/>
+                </a:moveTo>
+                <a:lnTo>
+                  <a:pt x="120000" y="0"/>
+                </a:lnTo>
+                <a:lnTo>
+                  <a:pt x="120000" y="120000"/>
+                </a:lnTo>
+                <a:lnTo>
+                  <a:pt x="0" y="120000"/>
+                </a:lnTo>
+                <a:close/>
+              </a:path>
+            </a:pathLst>
+          </a:custGeom>
+          <a:noFill/>
+          <a:ln w="9525" cap="flat">
+            <a:solidFill>
+              <a:srgbClr val="000000"/>
+            </a:solidFill>
+            <a:prstDash val="solid"/>
+            <a:round/>
+            <a:headEnd type="none" w="med" len="med"/>
+            <a:tailEnd type="none" w="med" len="med"/>
+          </a:ln>
+        </p:spPr>
+      </p:sp>
+      <p:sp>
+        <p:nvSpPr>
+          <p:cNvPr id="33" name="Shape 33"/>
+          <p:cNvSpPr txBox="1">
+            <a:spLocks noGrp="1"/>
+          </p:cNvSpPr>
+          <p:nvPr>
+            <p:ph type="body" idx="1"/>
+          </p:nvPr>
+        </p:nvSpPr>
+        <p:spPr>
+          <a:xfrm>
+            <a:off x="685800" y="4343400"/>
+            <a:ext cx="5486399" cy="4114800"/>
+          </a:xfrm>
+          <a:prstGeom prst="rect">
+            <a:avLst/>
+          </a:prstGeom>
+        </p:spPr>
+        <p:txBody>
+          <a:bodyPr lIns="91425" tIns="91425" rIns="91425" bIns="91425" anchor="t" anchorCtr="0">
+            <a:noAutofit/>
+          </a:bodyPr>
+          <a:lstStyle/>
+          <a:p>
+            <a:pPr>
+              <a:spcBef>
+                <a:spcPts val="0"/>
+              </a:spcBef>
+              <a:buNone/>
+            </a:pPr>
+            <a:endParaRPr/>
+          </a:p>
+        </p:txBody>
+      </p:sp>
+    </p:spTree>
+    <p:extLst>
+      <p:ext uri="{BB962C8B-B14F-4D97-AF65-F5344CB8AC3E}">
+        <p14:creationId xmlns:p14="http://schemas.microsoft.com/office/powerpoint/2010/main" val="447221675"/>
+      </p:ext>
+    </p:extLst>
+  </p:cSld>
+  <p:clrMapOvr>
+    <a:masterClrMapping/>
+  </p:clrMapOvr>
+</p:notes>
+</file>
+
+<file path=ppt/notesSlides/notesSlide7.xml><?xml version="1.0" encoding="utf-8"?>
+<p:notes xmlns:a="http://schemas.openxmlformats.org/drawingml/2006/main" xmlns:r="http://schemas.openxmlformats.org/officeDocument/2006/relationships" xmlns:p="http://schemas.openxmlformats.org/presentationml/2006/main" showMasterSp="0" showMasterPhAnim="0">
+  <p:cSld>
+    <p:spTree>
+      <p:nvGrpSpPr>
+        <p:cNvPr id="1" name="Shape 31"/>
+        <p:cNvGrpSpPr/>
+        <p:nvPr/>
+      </p:nvGrpSpPr>
+      <p:grpSpPr>
+        <a:xfrm>
+          <a:off x="0" y="0"/>
+          <a:ext cx="0" cy="0"/>
+          <a:chOff x="0" y="0"/>
+          <a:chExt cx="0" cy="0"/>
+        </a:xfrm>
+      </p:grpSpPr>
+      <p:sp>
+        <p:nvSpPr>
+          <p:cNvPr id="32" name="Shape 32"/>
+          <p:cNvSpPr>
+            <a:spLocks noGrp="1" noRot="1" noChangeAspect="1"/>
+          </p:cNvSpPr>
+          <p:nvPr>
+            <p:ph type="sldImg" idx="2"/>
+          </p:nvPr>
+        </p:nvSpPr>
+        <p:spPr>
+          <a:xfrm>
+            <a:off x="1143000" y="685800"/>
+            <a:ext cx="4572000" cy="3429000"/>
+          </a:xfrm>
+          <a:custGeom>
+            <a:avLst/>
+            <a:gdLst/>
+            <a:ahLst/>
+            <a:cxnLst/>
+            <a:rect l="0" t="0" r="0" b="0"/>
+            <a:pathLst>
+              <a:path w="120000" h="120000" extrusionOk="0">
+                <a:moveTo>
+                  <a:pt x="0" y="0"/>
+                </a:moveTo>
+                <a:lnTo>
+                  <a:pt x="120000" y="0"/>
+                </a:lnTo>
+                <a:lnTo>
+                  <a:pt x="120000" y="120000"/>
+                </a:lnTo>
+                <a:lnTo>
+                  <a:pt x="0" y="120000"/>
+                </a:lnTo>
+                <a:close/>
+              </a:path>
+            </a:pathLst>
+          </a:custGeom>
+          <a:noFill/>
+          <a:ln w="9525" cap="flat">
+            <a:solidFill>
+              <a:srgbClr val="000000"/>
+            </a:solidFill>
+            <a:prstDash val="solid"/>
+            <a:round/>
+            <a:headEnd type="none" w="med" len="med"/>
+            <a:tailEnd type="none" w="med" len="med"/>
+          </a:ln>
+        </p:spPr>
+      </p:sp>
+      <p:sp>
+        <p:nvSpPr>
+          <p:cNvPr id="33" name="Shape 33"/>
+          <p:cNvSpPr txBox="1">
+            <a:spLocks noGrp="1"/>
+          </p:cNvSpPr>
+          <p:nvPr>
+            <p:ph type="body" idx="1"/>
+          </p:nvPr>
+        </p:nvSpPr>
+        <p:spPr>
+          <a:xfrm>
+            <a:off x="685800" y="4343400"/>
+            <a:ext cx="5486399" cy="4114800"/>
+          </a:xfrm>
+          <a:prstGeom prst="rect">
+            <a:avLst/>
+          </a:prstGeom>
+        </p:spPr>
+        <p:txBody>
+          <a:bodyPr lIns="91425" tIns="91425" rIns="91425" bIns="91425" anchor="t" anchorCtr="0">
+            <a:noAutofit/>
+          </a:bodyPr>
+          <a:lstStyle/>
+          <a:p>
+            <a:pPr>
+              <a:spcBef>
+                <a:spcPts val="0"/>
+              </a:spcBef>
+              <a:buNone/>
+            </a:pPr>
+            <a:endParaRPr/>
+          </a:p>
+        </p:txBody>
+      </p:sp>
+    </p:spTree>
+    <p:extLst>
+      <p:ext uri="{BB962C8B-B14F-4D97-AF65-F5344CB8AC3E}">
+        <p14:creationId xmlns:p14="http://schemas.microsoft.com/office/powerpoint/2010/main" val="447221675"/>
       </p:ext>
     </p:extLst>
   </p:cSld>
@@ -1326,7 +1475,7 @@
           <a:p>
             <a:fld id="{7C780E36-1438-D74D-8D9C-3089FABA7E39}" type="datetimeFigureOut">
               <a:rPr lang="en-US" smtClean="0"/>
-              <a:t>6/1/19</a:t>
+              <a:t>6/3/19</a:t>
             </a:fld>
             <a:endParaRPr lang="en-US"/>
           </a:p>
@@ -1496,7 +1645,7 @@
           <a:p>
             <a:fld id="{7C780E36-1438-D74D-8D9C-3089FABA7E39}" type="datetimeFigureOut">
               <a:rPr lang="en-US" smtClean="0"/>
-              <a:t>6/1/19</a:t>
+              <a:t>6/3/19</a:t>
             </a:fld>
             <a:endParaRPr lang="en-US"/>
           </a:p>
@@ -1676,7 +1825,7 @@
           <a:p>
             <a:fld id="{7C780E36-1438-D74D-8D9C-3089FABA7E39}" type="datetimeFigureOut">
               <a:rPr lang="en-US" smtClean="0"/>
-              <a:t>6/1/19</a:t>
+              <a:t>6/3/19</a:t>
             </a:fld>
             <a:endParaRPr lang="en-US"/>
           </a:p>
@@ -2151,7 +2300,7 @@
           <a:p>
             <a:fld id="{7C780E36-1438-D74D-8D9C-3089FABA7E39}" type="datetimeFigureOut">
               <a:rPr lang="en-US" smtClean="0"/>
-              <a:t>6/1/19</a:t>
+              <a:t>6/3/19</a:t>
             </a:fld>
             <a:endParaRPr lang="en-US"/>
           </a:p>
@@ -2397,7 +2546,7 @@
           <a:p>
             <a:fld id="{7C780E36-1438-D74D-8D9C-3089FABA7E39}" type="datetimeFigureOut">
               <a:rPr lang="en-US" smtClean="0"/>
-              <a:t>6/1/19</a:t>
+              <a:t>6/3/19</a:t>
             </a:fld>
             <a:endParaRPr lang="en-US"/>
           </a:p>
@@ -2685,7 +2834,7 @@
           <a:p>
             <a:fld id="{7C780E36-1438-D74D-8D9C-3089FABA7E39}" type="datetimeFigureOut">
               <a:rPr lang="en-US" smtClean="0"/>
-              <a:t>6/1/19</a:t>
+              <a:t>6/3/19</a:t>
             </a:fld>
             <a:endParaRPr lang="en-US"/>
           </a:p>
@@ -3107,7 +3256,7 @@
           <a:p>
             <a:fld id="{7C780E36-1438-D74D-8D9C-3089FABA7E39}" type="datetimeFigureOut">
               <a:rPr lang="en-US" smtClean="0"/>
-              <a:t>6/1/19</a:t>
+              <a:t>6/3/19</a:t>
             </a:fld>
             <a:endParaRPr lang="en-US"/>
           </a:p>
@@ -3225,7 +3374,7 @@
           <a:p>
             <a:fld id="{7C780E36-1438-D74D-8D9C-3089FABA7E39}" type="datetimeFigureOut">
               <a:rPr lang="en-US" smtClean="0"/>
-              <a:t>6/1/19</a:t>
+              <a:t>6/3/19</a:t>
             </a:fld>
             <a:endParaRPr lang="en-US"/>
           </a:p>
@@ -3320,7 +3469,7 @@
           <a:p>
             <a:fld id="{7C780E36-1438-D74D-8D9C-3089FABA7E39}" type="datetimeFigureOut">
               <a:rPr lang="en-US" smtClean="0"/>
-              <a:t>6/1/19</a:t>
+              <a:t>6/3/19</a:t>
             </a:fld>
             <a:endParaRPr lang="en-US"/>
           </a:p>
@@ -3597,7 +3746,7 @@
           <a:p>
             <a:fld id="{7C780E36-1438-D74D-8D9C-3089FABA7E39}" type="datetimeFigureOut">
               <a:rPr lang="en-US" smtClean="0"/>
-              <a:t>6/1/19</a:t>
+              <a:t>6/3/19</a:t>
             </a:fld>
             <a:endParaRPr lang="en-US"/>
           </a:p>
@@ -3850,7 +3999,7 @@
           <a:p>
             <a:fld id="{7C780E36-1438-D74D-8D9C-3089FABA7E39}" type="datetimeFigureOut">
               <a:rPr lang="en-US" smtClean="0"/>
-              <a:t>6/1/19</a:t>
+              <a:t>6/3/19</a:t>
             </a:fld>
             <a:endParaRPr lang="en-US"/>
           </a:p>
@@ -4063,7 +4212,7 @@
           <a:p>
             <a:fld id="{7C780E36-1438-D74D-8D9C-3089FABA7E39}" type="datetimeFigureOut">
               <a:rPr lang="en-US" smtClean="0"/>
-              <a:t>6/1/19</a:t>
+              <a:t>6/3/19</a:t>
             </a:fld>
             <a:endParaRPr lang="en-US"/>
           </a:p>
@@ -4523,11 +4672,7 @@
             </a:pPr>
             <a:r>
               <a:rPr lang="en-US" dirty="0" smtClean="0"/>
-              <a:t>HILT </a:t>
-            </a:r>
-            <a:r>
-              <a:rPr lang="en-US" dirty="0" smtClean="0"/>
-              <a:t>2019</a:t>
+              <a:t>HILT 2019</a:t>
             </a:r>
             <a:endParaRPr lang="en" dirty="0"/>
           </a:p>
@@ -5068,7 +5213,7 @@
   <p:cSld>
     <p:spTree>
       <p:nvGrpSpPr>
-        <p:cNvPr id="1" name=""/>
+        <p:cNvPr id="1" name="Shape 28"/>
         <p:cNvGrpSpPr/>
         <p:nvPr/>
       </p:nvGrpSpPr>
@@ -5082,89 +5227,174 @@
       </p:grpSpPr>
       <p:sp>
         <p:nvSpPr>
-          <p:cNvPr id="2" name="Title 1"/>
-          <p:cNvSpPr>
+          <p:cNvPr id="29" name="Shape 29"/>
+          <p:cNvSpPr txBox="1">
             <a:spLocks noGrp="1"/>
           </p:cNvSpPr>
           <p:nvPr>
             <p:ph type="title"/>
           </p:nvPr>
         </p:nvSpPr>
-        <p:spPr/>
-        <p:txBody>
-          <a:bodyPr/>
-          <a:lstStyle/>
-          <a:p>
-            <a:endParaRPr lang="en-US"/>
-          </a:p>
-        </p:txBody>
-      </p:sp>
-      <p:sp>
-        <p:nvSpPr>
-          <p:cNvPr id="3" name="Text Placeholder 2"/>
-          <p:cNvSpPr>
-            <a:spLocks noGrp="1"/>
-          </p:cNvSpPr>
-          <p:nvPr>
-            <p:ph type="body" idx="1"/>
-          </p:nvPr>
-        </p:nvSpPr>
-        <p:spPr/>
-        <p:txBody>
-          <a:bodyPr/>
-          <a:lstStyle/>
-          <a:p>
-            <a:endParaRPr lang="en-US" dirty="0"/>
-          </a:p>
-        </p:txBody>
-      </p:sp>
-      <p:pic>
-        <p:nvPicPr>
-          <p:cNvPr id="5" name="Picture 4"/>
-          <p:cNvPicPr>
-            <a:picLocks noChangeAspect="1"/>
-          </p:cNvPicPr>
-          <p:nvPr/>
-        </p:nvPicPr>
-        <p:blipFill>
-          <a:blip r:embed="rId3">
-            <a:extLst>
-              <a:ext uri="{28A0092B-C50C-407E-A947-70E740481C1C}">
-                <a14:useLocalDpi xmlns:a14="http://schemas.microsoft.com/office/drawing/2010/main" val="0"/>
-              </a:ext>
-            </a:extLst>
-          </a:blip>
-          <a:stretch>
-            <a:fillRect/>
-          </a:stretch>
-        </p:blipFill>
         <p:spPr>
           <a:xfrm>
-            <a:off x="902441" y="1417637"/>
-            <a:ext cx="7339118" cy="4250817"/>
+            <a:off x="457200" y="274637"/>
+            <a:ext cx="8229600" cy="1143000"/>
           </a:xfrm>
           <a:prstGeom prst="rect">
             <a:avLst/>
           </a:prstGeom>
         </p:spPr>
-      </p:pic>
+        <p:txBody>
+          <a:bodyPr lIns="91425" tIns="91425" rIns="91425" bIns="91425" anchor="b" anchorCtr="0">
+            <a:noAutofit/>
+          </a:bodyPr>
+          <a:lstStyle/>
+          <a:p>
+            <a:pPr>
+              <a:spcBef>
+                <a:spcPts val="0"/>
+              </a:spcBef>
+              <a:buNone/>
+            </a:pPr>
+            <a:r>
+              <a:rPr lang="en-US" sz="7200" dirty="0">
+                <a:solidFill>
+                  <a:srgbClr val="FF0000"/>
+                </a:solidFill>
+                <a:latin typeface="Yanone Kaffeesatz Bold"/>
+                <a:cs typeface="Yanone Kaffeesatz Bold"/>
+              </a:rPr>
+              <a:t>Python</a:t>
+            </a:r>
+            <a:endParaRPr lang="en" sz="7200" dirty="0">
+              <a:solidFill>
+                <a:srgbClr val="FF0000"/>
+              </a:solidFill>
+              <a:latin typeface="Yanone Kaffeesatz Bold"/>
+              <a:cs typeface="Yanone Kaffeesatz Bold"/>
+            </a:endParaRPr>
+          </a:p>
+        </p:txBody>
+      </p:sp>
+      <p:sp>
+        <p:nvSpPr>
+          <p:cNvPr id="30" name="Shape 30"/>
+          <p:cNvSpPr txBox="1">
+            <a:spLocks noGrp="1"/>
+          </p:cNvSpPr>
+          <p:nvPr>
+            <p:ph type="body" idx="1"/>
+          </p:nvPr>
+        </p:nvSpPr>
+        <p:spPr>
+          <a:xfrm>
+            <a:off x="457200" y="1600200"/>
+            <a:ext cx="8229600" cy="4967700"/>
+          </a:xfrm>
+          <a:prstGeom prst="rect">
+            <a:avLst/>
+          </a:prstGeom>
+        </p:spPr>
+        <p:txBody>
+          <a:bodyPr lIns="91425" tIns="91425" rIns="91425" bIns="91425" anchor="t" anchorCtr="0">
+            <a:noAutofit/>
+          </a:bodyPr>
+          <a:lstStyle/>
+          <a:p>
+            <a:pPr marL="457200" lvl="0" indent="-419100" rtl="0">
+              <a:lnSpc>
+                <a:spcPct val="130000"/>
+              </a:lnSpc>
+              <a:spcBef>
+                <a:spcPts val="0"/>
+              </a:spcBef>
+              <a:buClr>
+                <a:schemeClr val="dk1"/>
+              </a:buClr>
+              <a:buSzPct val="100000"/>
+              <a:buFont typeface="Arial"/>
+              <a:buChar char="●"/>
+            </a:pPr>
+            <a:r>
+              <a:rPr lang="en-US" dirty="0"/>
+              <a:t>What are some of the data types?</a:t>
+            </a:r>
+          </a:p>
+          <a:p>
+            <a:pPr marL="457200" lvl="0" indent="-419100" rtl="0">
+              <a:lnSpc>
+                <a:spcPct val="130000"/>
+              </a:lnSpc>
+              <a:spcBef>
+                <a:spcPts val="0"/>
+              </a:spcBef>
+              <a:buClr>
+                <a:schemeClr val="dk1"/>
+              </a:buClr>
+              <a:buSzPct val="100000"/>
+              <a:buFont typeface="Arial"/>
+              <a:buChar char="●"/>
+            </a:pPr>
+            <a:r>
+              <a:rPr lang="en-US" dirty="0"/>
+              <a:t>What is a variable?</a:t>
+            </a:r>
+          </a:p>
+          <a:p>
+            <a:pPr marL="457200" lvl="0" indent="-419100" rtl="0">
+              <a:lnSpc>
+                <a:spcPct val="130000"/>
+              </a:lnSpc>
+              <a:spcBef>
+                <a:spcPts val="0"/>
+              </a:spcBef>
+              <a:buClr>
+                <a:schemeClr val="dk1"/>
+              </a:buClr>
+              <a:buSzPct val="100000"/>
+              <a:buFont typeface="Arial"/>
+              <a:buChar char="●"/>
+            </a:pPr>
+            <a:r>
+              <a:rPr lang="en-US" dirty="0"/>
+              <a:t>What is a method?</a:t>
+            </a:r>
+          </a:p>
+          <a:p>
+            <a:pPr marL="457200" lvl="0" indent="-419100" rtl="0">
+              <a:lnSpc>
+                <a:spcPct val="130000"/>
+              </a:lnSpc>
+              <a:spcBef>
+                <a:spcPts val="0"/>
+              </a:spcBef>
+              <a:buClr>
+                <a:schemeClr val="dk1"/>
+              </a:buClr>
+              <a:buSzPct val="100000"/>
+              <a:buFont typeface="Arial"/>
+              <a:buChar char="●"/>
+            </a:pPr>
+            <a:r>
+              <a:rPr lang="en-US" dirty="0"/>
+              <a:t>Why Python? Why not?</a:t>
+            </a:r>
+          </a:p>
+        </p:txBody>
+      </p:sp>
     </p:spTree>
     <p:extLst>
       <p:ext uri="{BB962C8B-B14F-4D97-AF65-F5344CB8AC3E}">
-        <p14:creationId xmlns:p14="http://schemas.microsoft.com/office/powerpoint/2010/main" val="1785785557"/>
+        <p14:creationId xmlns:p14="http://schemas.microsoft.com/office/powerpoint/2010/main" val="962938806"/>
       </p:ext>
     </p:extLst>
   </p:cSld>
   <p:clrMapOvr>
     <a:masterClrMapping/>
   </p:clrMapOvr>
-  <p:timing>
-    <p:tnLst>
-      <p:par>
-        <p:cTn xmlns:p14="http://schemas.microsoft.com/office/powerpoint/2010/main" id="1" dur="indefinite" restart="never" nodeType="tmRoot"/>
-      </p:par>
-    </p:tnLst>
-  </p:timing>
+  <p:transition xmlns:p14="http://schemas.microsoft.com/office/powerpoint/2010/main" spd="slow">
+    <p:cut/>
+  </p:transition>
 </p:sld>
 </file>
 
@@ -5217,26 +5447,16 @@
               <a:buNone/>
             </a:pPr>
             <a:r>
-              <a:rPr lang="en-US" sz="5500" dirty="0" err="1" smtClean="0">
+              <a:rPr lang="en-US" sz="7200" dirty="0">
                 <a:solidFill>
                   <a:srgbClr val="FF0000"/>
                 </a:solidFill>
                 <a:latin typeface="Yanone Kaffeesatz Bold"/>
                 <a:cs typeface="Yanone Kaffeesatz Bold"/>
               </a:rPr>
-              <a:t>GitHub</a:t>
-            </a:r>
-            <a:r>
-              <a:rPr lang="en-US" sz="5500" dirty="0" smtClean="0">
-                <a:solidFill>
-                  <a:srgbClr val="FF0000"/>
-                </a:solidFill>
-                <a:latin typeface="Yanone Kaffeesatz Bold"/>
-                <a:cs typeface="Yanone Kaffeesatz Bold"/>
-              </a:rPr>
-              <a:t> &amp; Passwords</a:t>
-            </a:r>
-            <a:endParaRPr lang="en" sz="5500" dirty="0">
+              <a:t>Python</a:t>
+            </a:r>
+            <a:endParaRPr lang="en" sz="7200" dirty="0">
               <a:solidFill>
                 <a:srgbClr val="FF0000"/>
               </a:solidFill>
@@ -5285,44 +5505,111 @@
               <a:buFont typeface="Arial"/>
               <a:buChar char="●"/>
             </a:pPr>
-            <a:endParaRPr lang="en-US" dirty="0" smtClean="0"/>
-          </a:p>
-        </p:txBody>
-      </p:sp>
-      <p:pic>
-        <p:nvPicPr>
-          <p:cNvPr id="3" name="Picture 2"/>
-          <p:cNvPicPr>
-            <a:picLocks noChangeAspect="1"/>
-          </p:cNvPicPr>
-          <p:nvPr/>
-        </p:nvPicPr>
-        <p:blipFill>
-          <a:blip r:embed="rId3">
-            <a:extLst>
-              <a:ext uri="{28A0092B-C50C-407E-A947-70E740481C1C}">
-                <a14:useLocalDpi xmlns:a14="http://schemas.microsoft.com/office/drawing/2010/main" val="0"/>
-              </a:ext>
-            </a:extLst>
-          </a:blip>
-          <a:stretch>
-            <a:fillRect/>
-          </a:stretch>
-        </p:blipFill>
-        <p:spPr>
-          <a:xfrm>
-            <a:off x="1323975" y="1600200"/>
-            <a:ext cx="6496050" cy="4872038"/>
-          </a:xfrm>
-          <a:prstGeom prst="rect">
-            <a:avLst/>
-          </a:prstGeom>
-        </p:spPr>
-      </p:pic>
+            <a:r>
+              <a:rPr lang="en-US" dirty="0"/>
+              <a:t>What is an operator?</a:t>
+            </a:r>
+          </a:p>
+          <a:p>
+            <a:pPr marL="457200" lvl="0" indent="-419100">
+              <a:lnSpc>
+                <a:spcPct val="130000"/>
+              </a:lnSpc>
+              <a:buClr>
+                <a:schemeClr val="dk1"/>
+              </a:buClr>
+              <a:buSzPct val="100000"/>
+              <a:buFont typeface="Arial"/>
+              <a:buChar char="●"/>
+            </a:pPr>
+            <a:r>
+              <a:rPr lang="en-US" dirty="0"/>
+              <a:t>What is the Python interpreter? Is it awesome?</a:t>
+            </a:r>
+          </a:p>
+          <a:p>
+            <a:pPr marL="457200" lvl="0" indent="-419100" rtl="0">
+              <a:lnSpc>
+                <a:spcPct val="130000"/>
+              </a:lnSpc>
+              <a:spcBef>
+                <a:spcPts val="0"/>
+              </a:spcBef>
+              <a:buClr>
+                <a:schemeClr val="dk1"/>
+              </a:buClr>
+              <a:buSzPct val="100000"/>
+              <a:buFont typeface="Arial"/>
+              <a:buChar char="●"/>
+            </a:pPr>
+            <a:r>
+              <a:rPr lang="en-US" dirty="0"/>
+              <a:t>How do you assign a variable?</a:t>
+            </a:r>
+          </a:p>
+          <a:p>
+            <a:pPr marL="457200" lvl="0" indent="-419100" rtl="0">
+              <a:lnSpc>
+                <a:spcPct val="130000"/>
+              </a:lnSpc>
+              <a:spcBef>
+                <a:spcPts val="0"/>
+              </a:spcBef>
+              <a:buClr>
+                <a:schemeClr val="dk1"/>
+              </a:buClr>
+              <a:buSzPct val="100000"/>
+              <a:buFont typeface="Arial"/>
+              <a:buChar char="●"/>
+            </a:pPr>
+            <a:r>
+              <a:rPr lang="en-US" dirty="0"/>
+              <a:t>What is Duck Typing</a:t>
+            </a:r>
+            <a:r>
+              <a:rPr lang="en-US" dirty="0" smtClean="0"/>
+              <a:t>?</a:t>
+            </a:r>
+          </a:p>
+          <a:p>
+            <a:pPr marL="457200" indent="-419100">
+              <a:lnSpc>
+                <a:spcPct val="130000"/>
+              </a:lnSpc>
+              <a:buClr>
+                <a:schemeClr val="dk1"/>
+              </a:buClr>
+              <a:buSzPct val="100000"/>
+              <a:buFont typeface="Arial"/>
+              <a:buChar char="●"/>
+            </a:pPr>
+            <a:r>
+              <a:rPr lang="en-US" dirty="0"/>
+              <a:t>How do you run a command-line program?</a:t>
+            </a:r>
+          </a:p>
+          <a:p>
+            <a:pPr marL="38100" lvl="0" indent="0" rtl="0">
+              <a:lnSpc>
+                <a:spcPct val="130000"/>
+              </a:lnSpc>
+              <a:spcBef>
+                <a:spcPts val="0"/>
+              </a:spcBef>
+              <a:buClr>
+                <a:schemeClr val="dk1"/>
+              </a:buClr>
+              <a:buSzPct val="100000"/>
+              <a:buNone/>
+            </a:pPr>
+            <a:endParaRPr lang="en-US" dirty="0"/>
+          </a:p>
+        </p:txBody>
+      </p:sp>
     </p:spTree>
     <p:extLst>
       <p:ext uri="{BB962C8B-B14F-4D97-AF65-F5344CB8AC3E}">
-        <p14:creationId xmlns:p14="http://schemas.microsoft.com/office/powerpoint/2010/main" val="4012243368"/>
+        <p14:creationId xmlns:p14="http://schemas.microsoft.com/office/powerpoint/2010/main" val="486094880"/>
       </p:ext>
     </p:extLst>
   </p:cSld>
@@ -5332,13 +5619,6 @@
   <p:transition xmlns:p14="http://schemas.microsoft.com/office/powerpoint/2010/main" spd="slow">
     <p:cut/>
   </p:transition>
-  <p:timing>
-    <p:tnLst>
-      <p:par>
-        <p:cTn xmlns:p14="http://schemas.microsoft.com/office/powerpoint/2010/main" id="1" dur="indefinite" restart="never" nodeType="tmRoot"/>
-      </p:par>
-    </p:tnLst>
-  </p:timing>
 </p:sld>
 </file>
 
@@ -5391,16 +5671,6 @@
               <a:buNone/>
             </a:pPr>
             <a:r>
-              <a:rPr lang="en-US" sz="7200" dirty="0" err="1" smtClean="0">
-                <a:solidFill>
-                  <a:srgbClr val="FF0000"/>
-                </a:solidFill>
-                <a:latin typeface="Yanone Kaffeesatz Bold"/>
-                <a:cs typeface="Yanone Kaffeesatz Bold"/>
-              </a:rPr>
-              <a:t>Github</a:t>
-            </a:r>
-            <a:r>
               <a:rPr lang="en-US" sz="7200" dirty="0" smtClean="0">
                 <a:solidFill>
                   <a:srgbClr val="FF0000"/>
@@ -5408,17 +5678,7 @@
                 <a:latin typeface="Yanone Kaffeesatz Bold"/>
                 <a:cs typeface="Yanone Kaffeesatz Bold"/>
               </a:rPr>
-              <a:t> </a:t>
-            </a:r>
-            <a:r>
-              <a:rPr lang="en-US" sz="7200" dirty="0" err="1" smtClean="0">
-                <a:solidFill>
-                  <a:srgbClr val="FF0000"/>
-                </a:solidFill>
-                <a:latin typeface="Yanone Kaffeesatz Bold"/>
-                <a:cs typeface="Yanone Kaffeesatz Bold"/>
-              </a:rPr>
-              <a:t>Config</a:t>
+              <a:t>Troubleshooting</a:t>
             </a:r>
             <a:endParaRPr lang="en" sz="7200" dirty="0">
               <a:solidFill>
@@ -5455,280 +5715,7 @@
           </a:bodyPr>
           <a:lstStyle/>
           <a:p>
-            <a:pPr marL="38100" indent="0">
-              <a:lnSpc>
-                <a:spcPct val="130000"/>
-              </a:lnSpc>
-              <a:buClr>
-                <a:schemeClr val="dk1"/>
-              </a:buClr>
-              <a:buSzPct val="100000"/>
-              <a:buNone/>
-            </a:pPr>
-            <a:r>
-              <a:rPr lang="en-US" sz="2000" dirty="0">
-                <a:latin typeface="Menlo Regular"/>
-                <a:cs typeface="Menlo Regular"/>
-              </a:rPr>
-              <a:t>$ </a:t>
-            </a:r>
-            <a:r>
-              <a:rPr lang="en-US" sz="2000" dirty="0" err="1">
-                <a:latin typeface="Menlo Regular"/>
-                <a:cs typeface="Menlo Regular"/>
-              </a:rPr>
-              <a:t>git</a:t>
-            </a:r>
-            <a:r>
-              <a:rPr lang="en-US" sz="2000" dirty="0">
-                <a:latin typeface="Menlo Regular"/>
-                <a:cs typeface="Menlo Regular"/>
-              </a:rPr>
-              <a:t> </a:t>
-            </a:r>
-            <a:r>
-              <a:rPr lang="en-US" sz="2000" dirty="0" err="1">
-                <a:latin typeface="Menlo Regular"/>
-                <a:cs typeface="Menlo Regular"/>
-              </a:rPr>
-              <a:t>config</a:t>
-            </a:r>
-            <a:r>
-              <a:rPr lang="en-US" sz="2000" dirty="0">
-                <a:latin typeface="Menlo Regular"/>
-                <a:cs typeface="Menlo Regular"/>
-              </a:rPr>
-              <a:t> --global </a:t>
-            </a:r>
-            <a:r>
-              <a:rPr lang="en-US" sz="2000" dirty="0" err="1">
-                <a:latin typeface="Menlo Regular"/>
-                <a:cs typeface="Menlo Regular"/>
-              </a:rPr>
-              <a:t>user.name</a:t>
-            </a:r>
-            <a:r>
-              <a:rPr lang="en-US" sz="2000" dirty="0">
-                <a:latin typeface="Menlo Regular"/>
-                <a:cs typeface="Menlo Regular"/>
-              </a:rPr>
-              <a:t> “Your Name”</a:t>
-            </a:r>
-          </a:p>
-          <a:p>
-            <a:pPr marL="38100" indent="0">
-              <a:lnSpc>
-                <a:spcPct val="130000"/>
-              </a:lnSpc>
-              <a:buClr>
-                <a:schemeClr val="dk1"/>
-              </a:buClr>
-              <a:buSzPct val="100000"/>
-              <a:buNone/>
-            </a:pPr>
-            <a:r>
-              <a:rPr lang="en-US" sz="2000" dirty="0">
-                <a:latin typeface="Menlo Regular"/>
-                <a:cs typeface="Menlo Regular"/>
-              </a:rPr>
-              <a:t>$ </a:t>
-            </a:r>
-            <a:r>
-              <a:rPr lang="en-US" sz="2000" dirty="0" err="1">
-                <a:latin typeface="Menlo Regular"/>
-                <a:cs typeface="Menlo Regular"/>
-              </a:rPr>
-              <a:t>git</a:t>
-            </a:r>
-            <a:r>
-              <a:rPr lang="en-US" sz="2000" dirty="0">
-                <a:latin typeface="Menlo Regular"/>
-                <a:cs typeface="Menlo Regular"/>
-              </a:rPr>
-              <a:t> </a:t>
-            </a:r>
-            <a:r>
-              <a:rPr lang="en-US" sz="2000" dirty="0" err="1">
-                <a:latin typeface="Menlo Regular"/>
-                <a:cs typeface="Menlo Regular"/>
-              </a:rPr>
-              <a:t>config</a:t>
-            </a:r>
-            <a:r>
-              <a:rPr lang="en-US" sz="2000" dirty="0">
-                <a:latin typeface="Menlo Regular"/>
-                <a:cs typeface="Menlo Regular"/>
-              </a:rPr>
-              <a:t> --global </a:t>
-            </a:r>
-            <a:r>
-              <a:rPr lang="en-US" sz="2000" dirty="0" err="1">
-                <a:latin typeface="Menlo Regular"/>
-                <a:cs typeface="Menlo Regular"/>
-              </a:rPr>
-              <a:t>user.email</a:t>
-            </a:r>
-            <a:r>
-              <a:rPr lang="en-US" sz="2000" dirty="0">
-                <a:latin typeface="Menlo Regular"/>
-                <a:cs typeface="Menlo Regular"/>
-              </a:rPr>
-              <a:t> </a:t>
-            </a:r>
-            <a:r>
-              <a:rPr lang="en-US" sz="2000" dirty="0" smtClean="0">
-                <a:latin typeface="Menlo Regular"/>
-                <a:cs typeface="Menlo Regular"/>
-              </a:rPr>
-              <a:t>“</a:t>
-            </a:r>
-            <a:r>
-              <a:rPr lang="en-US" sz="2000" dirty="0" err="1" smtClean="0">
-                <a:latin typeface="Menlo Regular"/>
-                <a:cs typeface="Menlo Regular"/>
-              </a:rPr>
-              <a:t>you</a:t>
-            </a:r>
-            <a:r>
-              <a:rPr lang="en-US" sz="2000" dirty="0" err="1">
-                <a:latin typeface="Menlo Regular"/>
-                <a:cs typeface="Menlo Regular"/>
-              </a:rPr>
-              <a:t>@</a:t>
-            </a:r>
-            <a:r>
-              <a:rPr lang="en-US" sz="2000" dirty="0" err="1" smtClean="0">
-                <a:latin typeface="Menlo Regular"/>
-                <a:cs typeface="Menlo Regular"/>
-              </a:rPr>
-              <a:t>place.edu</a:t>
-            </a:r>
-            <a:r>
-              <a:rPr lang="en-US" sz="2000" dirty="0" smtClean="0">
-                <a:latin typeface="Menlo Regular"/>
-                <a:cs typeface="Menlo Regular"/>
-              </a:rPr>
-              <a:t>”</a:t>
-            </a:r>
-          </a:p>
-          <a:p>
-            <a:pPr marL="38100" indent="0">
-              <a:lnSpc>
-                <a:spcPct val="130000"/>
-              </a:lnSpc>
-              <a:buClr>
-                <a:schemeClr val="dk1"/>
-              </a:buClr>
-              <a:buSzPct val="100000"/>
-              <a:buNone/>
-            </a:pPr>
-            <a:r>
-              <a:rPr lang="en-US" sz="2000" dirty="0" smtClean="0">
-                <a:latin typeface="Menlo Regular"/>
-                <a:cs typeface="Menlo Regular"/>
-              </a:rPr>
-              <a:t>$ </a:t>
-            </a:r>
-            <a:r>
-              <a:rPr lang="en-US" sz="2000" dirty="0" err="1" smtClean="0">
-                <a:latin typeface="Menlo Regular"/>
-                <a:cs typeface="Menlo Regular"/>
-              </a:rPr>
-              <a:t>git</a:t>
-            </a:r>
-            <a:r>
-              <a:rPr lang="en-US" sz="2000" dirty="0" smtClean="0">
-                <a:latin typeface="Menlo Regular"/>
-                <a:cs typeface="Menlo Regular"/>
-              </a:rPr>
-              <a:t> </a:t>
-            </a:r>
-            <a:r>
-              <a:rPr lang="en-US" sz="2000" dirty="0" err="1" smtClean="0">
-                <a:latin typeface="Menlo Regular"/>
-                <a:cs typeface="Menlo Regular"/>
-              </a:rPr>
-              <a:t>config</a:t>
-            </a:r>
-            <a:r>
-              <a:rPr lang="en-US" sz="2000" dirty="0" smtClean="0">
-                <a:latin typeface="Menlo Regular"/>
-                <a:cs typeface="Menlo Regular"/>
-              </a:rPr>
-              <a:t> --global </a:t>
-            </a:r>
-            <a:r>
-              <a:rPr lang="en-US" sz="2000" dirty="0" err="1" smtClean="0">
-                <a:latin typeface="Menlo Regular"/>
-                <a:cs typeface="Menlo Regular"/>
-              </a:rPr>
-              <a:t>core.editor</a:t>
-            </a:r>
-            <a:r>
-              <a:rPr lang="en-US" sz="2000" smtClean="0">
-                <a:latin typeface="Menlo Regular"/>
-                <a:cs typeface="Menlo Regular"/>
-              </a:rPr>
-              <a:t> s</a:t>
-            </a:r>
-            <a:endParaRPr lang="en-US" sz="2000" dirty="0" smtClean="0">
-              <a:latin typeface="Menlo Regular"/>
-              <a:cs typeface="Menlo Regular"/>
-            </a:endParaRPr>
-          </a:p>
-          <a:p>
-            <a:pPr marL="38100" indent="0">
-              <a:lnSpc>
-                <a:spcPct val="130000"/>
-              </a:lnSpc>
-              <a:buClr>
-                <a:schemeClr val="dk1"/>
-              </a:buClr>
-              <a:buSzPct val="100000"/>
-              <a:buNone/>
-            </a:pPr>
-            <a:r>
-              <a:rPr lang="en-US" sz="2000" dirty="0" smtClean="0">
-                <a:latin typeface="Menlo Regular"/>
-                <a:cs typeface="Menlo Regular"/>
-              </a:rPr>
-              <a:t>$ </a:t>
-            </a:r>
-            <a:r>
-              <a:rPr lang="en-US" sz="2000" dirty="0" err="1" smtClean="0">
-                <a:latin typeface="Menlo Regular"/>
-                <a:cs typeface="Menlo Regular"/>
-              </a:rPr>
-              <a:t>git</a:t>
-            </a:r>
-            <a:r>
-              <a:rPr lang="en-US" sz="2000" dirty="0" smtClean="0">
-                <a:latin typeface="Menlo Regular"/>
-                <a:cs typeface="Menlo Regular"/>
-              </a:rPr>
-              <a:t> </a:t>
-            </a:r>
-            <a:r>
-              <a:rPr lang="en-US" sz="2000" dirty="0" err="1" smtClean="0">
-                <a:latin typeface="Menlo Regular"/>
-                <a:cs typeface="Menlo Regular"/>
-              </a:rPr>
-              <a:t>config</a:t>
-            </a:r>
-            <a:r>
-              <a:rPr lang="en-US" sz="2000" dirty="0" smtClean="0">
-                <a:latin typeface="Menlo Regular"/>
-                <a:cs typeface="Menlo Regular"/>
-              </a:rPr>
-              <a:t> --list</a:t>
-            </a:r>
-            <a:endParaRPr lang="en-US" sz="2000" dirty="0">
-              <a:latin typeface="Menlo Regular"/>
-              <a:cs typeface="Menlo Regular"/>
-            </a:endParaRPr>
-          </a:p>
-          <a:p>
-            <a:pPr marL="38100" lvl="0" indent="0" rtl="0">
+            <a:pPr marL="457200" lvl="0" indent="-419100" rtl="0">
               <a:lnSpc>
                 <a:spcPct val="130000"/>
               </a:lnSpc>
@@ -5739,16 +5726,161 @@
                 <a:schemeClr val="dk1"/>
               </a:buClr>
               <a:buSzPct val="100000"/>
-              <a:buNone/>
+              <a:buFont typeface="Arial"/>
+              <a:buChar char="●"/>
             </a:pPr>
-            <a:endParaRPr lang="en-US" dirty="0" smtClean="0"/>
+            <a:r>
+              <a:rPr lang="en-US" sz="2800" dirty="0" smtClean="0"/>
+              <a:t>Don't flail </a:t>
+            </a:r>
+            <a:r>
+              <a:rPr lang="mr-IN" sz="2800" dirty="0" smtClean="0"/>
+              <a:t>–</a:t>
+            </a:r>
+            <a:r>
+              <a:rPr lang="en-US" sz="2800" dirty="0" smtClean="0"/>
+              <a:t> find information and be deliberate.</a:t>
+            </a:r>
+            <a:endParaRPr lang="en-US" sz="2800" dirty="0"/>
+          </a:p>
+          <a:p>
+            <a:pPr marL="457200" lvl="0" indent="-419100">
+              <a:lnSpc>
+                <a:spcPct val="130000"/>
+              </a:lnSpc>
+              <a:buClr>
+                <a:schemeClr val="dk1"/>
+              </a:buClr>
+              <a:buSzPct val="100000"/>
+              <a:buFont typeface="Arial"/>
+              <a:buChar char="●"/>
+            </a:pPr>
+            <a:r>
+              <a:rPr lang="en-US" sz="2800" dirty="0" smtClean="0"/>
+              <a:t>Where are you? - </a:t>
+            </a:r>
+            <a:r>
+              <a:rPr lang="en-US" sz="2800" dirty="0" err="1" smtClean="0"/>
+              <a:t>pwd</a:t>
+            </a:r>
+            <a:endParaRPr lang="en-US" sz="2800" dirty="0"/>
+          </a:p>
+          <a:p>
+            <a:pPr marL="457200" lvl="0" indent="-419100" rtl="0">
+              <a:lnSpc>
+                <a:spcPct val="130000"/>
+              </a:lnSpc>
+              <a:spcBef>
+                <a:spcPts val="0"/>
+              </a:spcBef>
+              <a:buClr>
+                <a:schemeClr val="dk1"/>
+              </a:buClr>
+              <a:buSzPct val="100000"/>
+              <a:buFont typeface="Arial"/>
+              <a:buChar char="●"/>
+            </a:pPr>
+            <a:r>
+              <a:rPr lang="en-US" sz="2800" dirty="0" smtClean="0"/>
+              <a:t>What do you see there? - </a:t>
+            </a:r>
+            <a:r>
+              <a:rPr lang="en-US" sz="2800" dirty="0" err="1" smtClean="0"/>
+              <a:t>ls</a:t>
+            </a:r>
+            <a:endParaRPr lang="en-US" sz="2800" dirty="0"/>
+          </a:p>
+          <a:p>
+            <a:pPr marL="457200" lvl="0" indent="-419100" rtl="0">
+              <a:lnSpc>
+                <a:spcPct val="130000"/>
+              </a:lnSpc>
+              <a:spcBef>
+                <a:spcPts val="0"/>
+              </a:spcBef>
+              <a:buClr>
+                <a:schemeClr val="dk1"/>
+              </a:buClr>
+              <a:buSzPct val="100000"/>
+              <a:buFont typeface="Arial"/>
+              <a:buChar char="●"/>
+            </a:pPr>
+            <a:r>
+              <a:rPr lang="en-US" sz="2800" dirty="0" smtClean="0"/>
+              <a:t>Where are you in the </a:t>
+            </a:r>
+            <a:r>
+              <a:rPr lang="en-US" sz="2800" dirty="0" err="1" smtClean="0"/>
+              <a:t>git</a:t>
+            </a:r>
+            <a:r>
+              <a:rPr lang="en-US" sz="2800" dirty="0" smtClean="0"/>
+              <a:t> workflow? </a:t>
+            </a:r>
+            <a:r>
+              <a:rPr lang="en-US" sz="2800" dirty="0" err="1" smtClean="0"/>
+              <a:t>git</a:t>
+            </a:r>
+            <a:r>
+              <a:rPr lang="en-US" sz="2800" dirty="0" smtClean="0"/>
+              <a:t> status</a:t>
+            </a:r>
+            <a:endParaRPr lang="en-US" dirty="0"/>
+          </a:p>
+          <a:p>
+            <a:pPr marL="457200" lvl="0" indent="-419100" rtl="0">
+              <a:lnSpc>
+                <a:spcPct val="130000"/>
+              </a:lnSpc>
+              <a:spcBef>
+                <a:spcPts val="0"/>
+              </a:spcBef>
+              <a:buClr>
+                <a:schemeClr val="dk1"/>
+              </a:buClr>
+              <a:buSzPct val="100000"/>
+              <a:buFont typeface="Arial"/>
+              <a:buChar char="●"/>
+            </a:pPr>
+            <a:r>
+              <a:rPr lang="en-US" sz="2800" dirty="0" smtClean="0"/>
+              <a:t>Do these commands confirm what you expected?</a:t>
+            </a:r>
+          </a:p>
+          <a:p>
+            <a:pPr marL="457200" lvl="0" indent="-419100" rtl="0">
+              <a:lnSpc>
+                <a:spcPct val="130000"/>
+              </a:lnSpc>
+              <a:spcBef>
+                <a:spcPts val="0"/>
+              </a:spcBef>
+              <a:buClr>
+                <a:schemeClr val="dk1"/>
+              </a:buClr>
+              <a:buSzPct val="100000"/>
+              <a:buFont typeface="Arial"/>
+              <a:buChar char="●"/>
+            </a:pPr>
+            <a:r>
+              <a:rPr lang="en-US" sz="2800" dirty="0" smtClean="0"/>
+              <a:t>$ cd </a:t>
+            </a:r>
+            <a:r>
+              <a:rPr lang="en-US" sz="2800" dirty="0" err="1" smtClean="0"/>
+              <a:t>vs</a:t>
+            </a:r>
+            <a:r>
+              <a:rPr lang="en-US" sz="2800" dirty="0" smtClean="0"/>
+              <a:t> $ cd ..</a:t>
+            </a:r>
           </a:p>
         </p:txBody>
       </p:sp>
     </p:spTree>
     <p:extLst>
       <p:ext uri="{BB962C8B-B14F-4D97-AF65-F5344CB8AC3E}">
-        <p14:creationId xmlns:p14="http://schemas.microsoft.com/office/powerpoint/2010/main" val="3471611790"/>
+        <p14:creationId xmlns:p14="http://schemas.microsoft.com/office/powerpoint/2010/main" val="142044587"/>
       </p:ext>
     </p:extLst>
   </p:cSld>
@@ -5758,13 +5890,240 @@
   <p:transition xmlns:p14="http://schemas.microsoft.com/office/powerpoint/2010/main" spd="slow">
     <p:cut/>
   </p:transition>
-  <p:timing>
-    <p:tnLst>
-      <p:par>
-        <p:cTn xmlns:p14="http://schemas.microsoft.com/office/powerpoint/2010/main" id="1" dur="indefinite" restart="never" nodeType="tmRoot"/>
-      </p:par>
-    </p:tnLst>
-  </p:timing>
+</p:sld>
+</file>
+
+<file path=ppt/slides/slide7.xml><?xml version="1.0" encoding="utf-8"?>
+<p:sld xmlns:a="http://schemas.openxmlformats.org/drawingml/2006/main" xmlns:r="http://schemas.openxmlformats.org/officeDocument/2006/relationships" xmlns:p="http://schemas.openxmlformats.org/presentationml/2006/main">
+  <p:cSld>
+    <p:spTree>
+      <p:nvGrpSpPr>
+        <p:cNvPr id="1" name="Shape 28"/>
+        <p:cNvGrpSpPr/>
+        <p:nvPr/>
+      </p:nvGrpSpPr>
+      <p:grpSpPr>
+        <a:xfrm>
+          <a:off x="0" y="0"/>
+          <a:ext cx="0" cy="0"/>
+          <a:chOff x="0" y="0"/>
+          <a:chExt cx="0" cy="0"/>
+        </a:xfrm>
+      </p:grpSpPr>
+      <p:sp>
+        <p:nvSpPr>
+          <p:cNvPr id="29" name="Shape 29"/>
+          <p:cNvSpPr txBox="1">
+            <a:spLocks noGrp="1"/>
+          </p:cNvSpPr>
+          <p:nvPr>
+            <p:ph type="title"/>
+          </p:nvPr>
+        </p:nvSpPr>
+        <p:spPr>
+          <a:xfrm>
+            <a:off x="457200" y="274637"/>
+            <a:ext cx="8229600" cy="1143000"/>
+          </a:xfrm>
+          <a:prstGeom prst="rect">
+            <a:avLst/>
+          </a:prstGeom>
+        </p:spPr>
+        <p:txBody>
+          <a:bodyPr lIns="91425" tIns="91425" rIns="91425" bIns="91425" anchor="b" anchorCtr="0">
+            <a:noAutofit/>
+          </a:bodyPr>
+          <a:lstStyle/>
+          <a:p>
+            <a:pPr>
+              <a:spcBef>
+                <a:spcPts val="0"/>
+              </a:spcBef>
+              <a:buNone/>
+            </a:pPr>
+            <a:r>
+              <a:rPr lang="en-US" sz="7200" dirty="0" smtClean="0">
+                <a:solidFill>
+                  <a:srgbClr val="FF0000"/>
+                </a:solidFill>
+                <a:latin typeface="Yanone Kaffeesatz Bold"/>
+                <a:cs typeface="Yanone Kaffeesatz Bold"/>
+              </a:rPr>
+              <a:t>Review - in Pairs</a:t>
+            </a:r>
+            <a:endParaRPr lang="en" sz="7200" dirty="0">
+              <a:solidFill>
+                <a:srgbClr val="FF0000"/>
+              </a:solidFill>
+              <a:latin typeface="Yanone Kaffeesatz Bold"/>
+              <a:cs typeface="Yanone Kaffeesatz Bold"/>
+            </a:endParaRPr>
+          </a:p>
+        </p:txBody>
+      </p:sp>
+      <p:sp>
+        <p:nvSpPr>
+          <p:cNvPr id="30" name="Shape 30"/>
+          <p:cNvSpPr txBox="1">
+            <a:spLocks noGrp="1"/>
+          </p:cNvSpPr>
+          <p:nvPr>
+            <p:ph type="body" idx="1"/>
+          </p:nvPr>
+        </p:nvSpPr>
+        <p:spPr>
+          <a:xfrm>
+            <a:off x="457200" y="1600200"/>
+            <a:ext cx="8229600" cy="4967700"/>
+          </a:xfrm>
+          <a:prstGeom prst="rect">
+            <a:avLst/>
+          </a:prstGeom>
+        </p:spPr>
+        <p:txBody>
+          <a:bodyPr lIns="91425" tIns="91425" rIns="91425" bIns="91425" anchor="t" anchorCtr="0">
+            <a:noAutofit/>
+          </a:bodyPr>
+          <a:lstStyle/>
+          <a:p>
+            <a:pPr marL="457200" lvl="0" indent="-419100" rtl="0">
+              <a:lnSpc>
+                <a:spcPct val="130000"/>
+              </a:lnSpc>
+              <a:spcBef>
+                <a:spcPts val="0"/>
+              </a:spcBef>
+              <a:buClr>
+                <a:schemeClr val="dk1"/>
+              </a:buClr>
+              <a:buSzPct val="100000"/>
+              <a:buFont typeface="Arial"/>
+              <a:buChar char="●"/>
+            </a:pPr>
+            <a:r>
+              <a:rPr lang="en-US" sz="2600" dirty="0" smtClean="0"/>
+              <a:t>Working with the local copy of your </a:t>
+            </a:r>
+            <a:r>
+              <a:rPr lang="en-US" sz="2600" dirty="0" err="1" smtClean="0"/>
+              <a:t>github</a:t>
+            </a:r>
+            <a:r>
+              <a:rPr lang="en-US" sz="2600" dirty="0" smtClean="0"/>
+              <a:t> repository, make a Python file that executes some code based on some of the concepts from yesterday </a:t>
+            </a:r>
+            <a:r>
+              <a:rPr lang="mr-IN" sz="2600" dirty="0" smtClean="0"/>
+              <a:t>–</a:t>
+            </a:r>
+            <a:r>
+              <a:rPr lang="en-US" sz="2600" dirty="0" smtClean="0"/>
+              <a:t> printing; assigning variables; etc.</a:t>
+            </a:r>
+          </a:p>
+          <a:p>
+            <a:pPr marL="457200" lvl="0" indent="-419100" rtl="0">
+              <a:lnSpc>
+                <a:spcPct val="130000"/>
+              </a:lnSpc>
+              <a:spcBef>
+                <a:spcPts val="0"/>
+              </a:spcBef>
+              <a:buClr>
+                <a:schemeClr val="dk1"/>
+              </a:buClr>
+              <a:buSzPct val="100000"/>
+              <a:buFont typeface="Arial"/>
+              <a:buChar char="●"/>
+            </a:pPr>
+            <a:r>
+              <a:rPr lang="en-US" sz="2600" dirty="0" smtClean="0"/>
+              <a:t>Run it to make sure it works.</a:t>
+            </a:r>
+          </a:p>
+          <a:p>
+            <a:pPr marL="457200" lvl="0" indent="-419100" rtl="0">
+              <a:lnSpc>
+                <a:spcPct val="130000"/>
+              </a:lnSpc>
+              <a:spcBef>
+                <a:spcPts val="0"/>
+              </a:spcBef>
+              <a:buClr>
+                <a:schemeClr val="dk1"/>
+              </a:buClr>
+              <a:buSzPct val="100000"/>
+              <a:buFont typeface="Arial"/>
+              <a:buChar char="●"/>
+            </a:pPr>
+            <a:r>
+              <a:rPr lang="en-US" sz="2600" dirty="0" smtClean="0"/>
+              <a:t>Link to it from the </a:t>
+            </a:r>
+            <a:r>
+              <a:rPr lang="en-US" sz="2600" dirty="0" err="1" smtClean="0"/>
+              <a:t>index.html</a:t>
+            </a:r>
+            <a:r>
+              <a:rPr lang="en-US" sz="2600" dirty="0" smtClean="0"/>
+              <a:t> page in your portfolio</a:t>
+            </a:r>
+            <a:r>
+              <a:rPr lang="en-US" sz="2600" dirty="0" smtClean="0"/>
+              <a:t>.</a:t>
+            </a:r>
+          </a:p>
+          <a:p>
+            <a:pPr marL="457200" lvl="0" indent="-419100" rtl="0">
+              <a:lnSpc>
+                <a:spcPct val="130000"/>
+              </a:lnSpc>
+              <a:spcBef>
+                <a:spcPts val="0"/>
+              </a:spcBef>
+              <a:buClr>
+                <a:schemeClr val="dk1"/>
+              </a:buClr>
+              <a:buSzPct val="100000"/>
+              <a:buFont typeface="Arial"/>
+              <a:buChar char="●"/>
+            </a:pPr>
+            <a:r>
+              <a:rPr lang="en-US" sz="2600" dirty="0" smtClean="0"/>
+              <a:t>Use the standard </a:t>
+            </a:r>
+            <a:r>
+              <a:rPr lang="en-US" sz="2600" dirty="0" err="1" smtClean="0"/>
+              <a:t>git</a:t>
+            </a:r>
+            <a:r>
+              <a:rPr lang="en-US" sz="2600" dirty="0" smtClean="0"/>
+              <a:t> workflow to push it to </a:t>
+            </a:r>
+            <a:r>
+              <a:rPr lang="en-US" sz="2600" dirty="0" err="1" smtClean="0"/>
+              <a:t>github</a:t>
+            </a:r>
+            <a:r>
+              <a:rPr lang="en-US" sz="2600" dirty="0" smtClean="0"/>
+              <a:t>.</a:t>
+            </a:r>
+          </a:p>
+        </p:txBody>
+      </p:sp>
+    </p:spTree>
+    <p:extLst>
+      <p:ext uri="{BB962C8B-B14F-4D97-AF65-F5344CB8AC3E}">
+        <p14:creationId xmlns:p14="http://schemas.microsoft.com/office/powerpoint/2010/main" val="4164111412"/>
+      </p:ext>
+    </p:extLst>
+  </p:cSld>
+  <p:clrMapOvr>
+    <a:masterClrMapping/>
+  </p:clrMapOvr>
+  <p:transition xmlns:p14="http://schemas.microsoft.com/office/powerpoint/2010/main" spd="slow">
+    <p:cut/>
+  </p:transition>
 </p:sld>
 </file>
 
